--- a/project-01/docs/Cooney_Project_01_Software_Diagrams.pptx
+++ b/project-01/docs/Cooney_Project_01_Software_Diagrams.pptx
@@ -7,10 +7,11 @@
   <p:sldIdLst>
     <p:sldId id="256" r:id="rId2"/>
     <p:sldId id="257" r:id="rId3"/>
-    <p:sldId id="258" r:id="rId4"/>
-    <p:sldId id="259" r:id="rId5"/>
-    <p:sldId id="260" r:id="rId6"/>
-    <p:sldId id="261" r:id="rId7"/>
+    <p:sldId id="262" r:id="rId4"/>
+    <p:sldId id="258" r:id="rId5"/>
+    <p:sldId id="259" r:id="rId6"/>
+    <p:sldId id="260" r:id="rId7"/>
+    <p:sldId id="261" r:id="rId8"/>
   </p:sldIdLst>
   <p:sldSz cx="12192000" cy="6858000"/>
   <p:notesSz cx="6858000" cy="9144000"/>
@@ -109,6 +110,11 @@
       </a:defRPr>
     </a:lvl9pPr>
   </p:defaultTextStyle>
+  <p:extLst>
+    <p:ext uri="{EFAFB233-063F-42B5-8137-9DF3F51BA10A}">
+      <p15:sldGuideLst xmlns:p15="http://schemas.microsoft.com/office/powerpoint/2012/main"/>
+    </p:ext>
+  </p:extLst>
 </p:presentation>
 </file>
 
@@ -259,7 +265,7 @@
           <a:p>
             <a:fld id="{6F9CC634-B9D1-8E43-9326-87ACE5943230}" type="datetimeFigureOut">
               <a:rPr lang="en-US" smtClean="0"/>
-              <a:t>2/16/23</a:t>
+              <a:t>2/26/23</a:t>
             </a:fld>
             <a:endParaRPr lang="en-US"/>
           </a:p>
@@ -457,7 +463,7 @@
           <a:p>
             <a:fld id="{6F9CC634-B9D1-8E43-9326-87ACE5943230}" type="datetimeFigureOut">
               <a:rPr lang="en-US" smtClean="0"/>
-              <a:t>2/16/23</a:t>
+              <a:t>2/26/23</a:t>
             </a:fld>
             <a:endParaRPr lang="en-US"/>
           </a:p>
@@ -665,7 +671,7 @@
           <a:p>
             <a:fld id="{6F9CC634-B9D1-8E43-9326-87ACE5943230}" type="datetimeFigureOut">
               <a:rPr lang="en-US" smtClean="0"/>
-              <a:t>2/16/23</a:t>
+              <a:t>2/26/23</a:t>
             </a:fld>
             <a:endParaRPr lang="en-US"/>
           </a:p>
@@ -863,7 +869,7 @@
           <a:p>
             <a:fld id="{6F9CC634-B9D1-8E43-9326-87ACE5943230}" type="datetimeFigureOut">
               <a:rPr lang="en-US" smtClean="0"/>
-              <a:t>2/16/23</a:t>
+              <a:t>2/26/23</a:t>
             </a:fld>
             <a:endParaRPr lang="en-US"/>
           </a:p>
@@ -1138,7 +1144,7 @@
           <a:p>
             <a:fld id="{6F9CC634-B9D1-8E43-9326-87ACE5943230}" type="datetimeFigureOut">
               <a:rPr lang="en-US" smtClean="0"/>
-              <a:t>2/16/23</a:t>
+              <a:t>2/26/23</a:t>
             </a:fld>
             <a:endParaRPr lang="en-US"/>
           </a:p>
@@ -1403,7 +1409,7 @@
           <a:p>
             <a:fld id="{6F9CC634-B9D1-8E43-9326-87ACE5943230}" type="datetimeFigureOut">
               <a:rPr lang="en-US" smtClean="0"/>
-              <a:t>2/16/23</a:t>
+              <a:t>2/26/23</a:t>
             </a:fld>
             <a:endParaRPr lang="en-US"/>
           </a:p>
@@ -1815,7 +1821,7 @@
           <a:p>
             <a:fld id="{6F9CC634-B9D1-8E43-9326-87ACE5943230}" type="datetimeFigureOut">
               <a:rPr lang="en-US" smtClean="0"/>
-              <a:t>2/16/23</a:t>
+              <a:t>2/26/23</a:t>
             </a:fld>
             <a:endParaRPr lang="en-US"/>
           </a:p>
@@ -1956,7 +1962,7 @@
           <a:p>
             <a:fld id="{6F9CC634-B9D1-8E43-9326-87ACE5943230}" type="datetimeFigureOut">
               <a:rPr lang="en-US" smtClean="0"/>
-              <a:t>2/16/23</a:t>
+              <a:t>2/26/23</a:t>
             </a:fld>
             <a:endParaRPr lang="en-US"/>
           </a:p>
@@ -2069,7 +2075,7 @@
           <a:p>
             <a:fld id="{6F9CC634-B9D1-8E43-9326-87ACE5943230}" type="datetimeFigureOut">
               <a:rPr lang="en-US" smtClean="0"/>
-              <a:t>2/16/23</a:t>
+              <a:t>2/26/23</a:t>
             </a:fld>
             <a:endParaRPr lang="en-US"/>
           </a:p>
@@ -2380,7 +2386,7 @@
           <a:p>
             <a:fld id="{6F9CC634-B9D1-8E43-9326-87ACE5943230}" type="datetimeFigureOut">
               <a:rPr lang="en-US" smtClean="0"/>
-              <a:t>2/16/23</a:t>
+              <a:t>2/26/23</a:t>
             </a:fld>
             <a:endParaRPr lang="en-US"/>
           </a:p>
@@ -2668,7 +2674,7 @@
           <a:p>
             <a:fld id="{6F9CC634-B9D1-8E43-9326-87ACE5943230}" type="datetimeFigureOut">
               <a:rPr lang="en-US" smtClean="0"/>
-              <a:t>2/16/23</a:t>
+              <a:t>2/26/23</a:t>
             </a:fld>
             <a:endParaRPr lang="en-US"/>
           </a:p>
@@ -2909,7 +2915,7 @@
           <a:p>
             <a:fld id="{6F9CC634-B9D1-8E43-9326-87ACE5943230}" type="datetimeFigureOut">
               <a:rPr lang="en-US" smtClean="0"/>
-              <a:t>2/16/23</a:t>
+              <a:t>2/26/23</a:t>
             </a:fld>
             <a:endParaRPr lang="en-US"/>
           </a:p>
@@ -3527,357 +3533,74 @@
       </p:grpSpPr>
       <p:sp>
         <p:nvSpPr>
-          <p:cNvPr id="4" name="TextBox 3">
-            <a:extLst>
-              <a:ext uri="{FF2B5EF4-FFF2-40B4-BE49-F238E27FC236}">
-                <a16:creationId xmlns:a16="http://schemas.microsoft.com/office/drawing/2014/main" id="{3101E37C-D4B0-B640-23D0-EF90BDFCCFE2}"/>
-              </a:ext>
-            </a:extLst>
-          </p:cNvPr>
-          <p:cNvSpPr txBox="1"/>
-          <p:nvPr/>
+          <p:cNvPr id="4" name="Title 1">
+            <a:extLst>
+              <a:ext uri="{FF2B5EF4-FFF2-40B4-BE49-F238E27FC236}">
+                <a16:creationId xmlns:a16="http://schemas.microsoft.com/office/drawing/2014/main" id="{07C52DCB-4C1F-A25F-3E40-638351FDA1BF}"/>
+              </a:ext>
+            </a:extLst>
+          </p:cNvPr>
+          <p:cNvSpPr>
+            <a:spLocks noGrp="1"/>
+          </p:cNvSpPr>
+          <p:nvPr>
+            <p:ph type="title"/>
+          </p:nvPr>
         </p:nvSpPr>
         <p:spPr>
           <a:xfrm>
-            <a:off x="1028700" y="1104900"/>
-            <a:ext cx="11696700" cy="5632311"/>
+            <a:off x="437366" y="131166"/>
+            <a:ext cx="10515600" cy="1325563"/>
+          </a:xfrm>
+        </p:spPr>
+        <p:txBody>
+          <a:bodyPr/>
+          <a:lstStyle/>
+          <a:p>
+            <a:r>
+              <a:rPr lang="en-US" b="1" dirty="0">
+                <a:latin typeface="Source Sans Pro" panose="020B0503030403020204" pitchFamily="34" charset="0"/>
+                <a:ea typeface="Source Sans Pro" panose="020B0503030403020204" pitchFamily="34" charset="0"/>
+              </a:rPr>
+              <a:t>Software Block Diagram</a:t>
+            </a:r>
+          </a:p>
+        </p:txBody>
+      </p:sp>
+      <p:pic>
+        <p:nvPicPr>
+          <p:cNvPr id="6" name="Picture 5" descr="Diagram&#10;&#10;Description automatically generated">
+            <a:extLst>
+              <a:ext uri="{FF2B5EF4-FFF2-40B4-BE49-F238E27FC236}">
+                <a16:creationId xmlns:a16="http://schemas.microsoft.com/office/drawing/2014/main" id="{A0115EBA-0651-315D-FF90-491F92AD2E14}"/>
+              </a:ext>
+            </a:extLst>
+          </p:cNvPr>
+          <p:cNvPicPr>
+            <a:picLocks noChangeAspect="1"/>
+          </p:cNvPicPr>
+          <p:nvPr/>
+        </p:nvPicPr>
+        <p:blipFill>
+          <a:blip r:embed="rId2"/>
+          <a:stretch>
+            <a:fillRect/>
+          </a:stretch>
+        </p:blipFill>
+        <p:spPr>
+          <a:xfrm>
+            <a:off x="2209800" y="1348293"/>
+            <a:ext cx="7772400" cy="5378541"/>
           </a:xfrm>
           <a:prstGeom prst="rect">
             <a:avLst/>
           </a:prstGeom>
-          <a:noFill/>
         </p:spPr>
-        <p:txBody>
-          <a:bodyPr wrap="square" rtlCol="0">
-            <a:spAutoFit/>
-          </a:bodyPr>
-          <a:lstStyle/>
-          <a:p>
-            <a:r>
-              <a:rPr lang="en-US" sz="2000" dirty="0">
-                <a:latin typeface="Source Sans Pro" panose="020B0503030403020204" pitchFamily="34" charset="0"/>
-                <a:ea typeface="Source Sans Pro" panose="020B0503030403020204" pitchFamily="34" charset="0"/>
-              </a:rPr>
-              <a:t>when POWER == OFF &amp; </a:t>
-            </a:r>
-            <a:r>
-              <a:rPr lang="en-US" sz="2000" dirty="0" err="1">
-                <a:latin typeface="Source Sans Pro" panose="020B0503030403020204" pitchFamily="34" charset="0"/>
-                <a:ea typeface="Source Sans Pro" panose="020B0503030403020204" pitchFamily="34" charset="0"/>
-              </a:rPr>
-              <a:t>powButton</a:t>
-            </a:r>
-            <a:r>
-              <a:rPr lang="en-US" sz="2000" dirty="0">
-                <a:latin typeface="Source Sans Pro" panose="020B0503030403020204" pitchFamily="34" charset="0"/>
-                <a:ea typeface="Source Sans Pro" panose="020B0503030403020204" pitchFamily="34" charset="0"/>
-              </a:rPr>
-              <a:t> == PRESSED: </a:t>
-            </a:r>
-          </a:p>
-          <a:p>
-            <a:r>
-              <a:rPr lang="en-US" sz="2000" dirty="0">
-                <a:latin typeface="Source Sans Pro" panose="020B0503030403020204" pitchFamily="34" charset="0"/>
-                <a:ea typeface="Source Sans Pro" panose="020B0503030403020204" pitchFamily="34" charset="0"/>
-              </a:rPr>
-              <a:t>	turn on </a:t>
-            </a:r>
-          </a:p>
-          <a:p>
-            <a:endParaRPr lang="en-US" sz="2000" dirty="0">
-              <a:latin typeface="Source Sans Pro" panose="020B0503030403020204" pitchFamily="34" charset="0"/>
-              <a:ea typeface="Source Sans Pro" panose="020B0503030403020204" pitchFamily="34" charset="0"/>
-            </a:endParaRPr>
-          </a:p>
-          <a:p>
-            <a:r>
-              <a:rPr lang="en-US" sz="2000" dirty="0">
-                <a:latin typeface="Source Sans Pro" panose="020B0503030403020204" pitchFamily="34" charset="0"/>
-                <a:ea typeface="Source Sans Pro" panose="020B0503030403020204" pitchFamily="34" charset="0"/>
-              </a:rPr>
-              <a:t>when POWER == ON </a:t>
-            </a:r>
-          </a:p>
-          <a:p>
-            <a:r>
-              <a:rPr lang="en-US" sz="2000" dirty="0">
-                <a:latin typeface="Source Sans Pro" panose="020B0503030403020204" pitchFamily="34" charset="0"/>
-                <a:ea typeface="Source Sans Pro" panose="020B0503030403020204" pitchFamily="34" charset="0"/>
-              </a:rPr>
-              <a:t>	LED set == ON, steady state</a:t>
-            </a:r>
-          </a:p>
-          <a:p>
-            <a:r>
-              <a:rPr lang="en-US" sz="2000" dirty="0">
-                <a:latin typeface="Source Sans Pro" panose="020B0503030403020204" pitchFamily="34" charset="0"/>
-                <a:ea typeface="Source Sans Pro" panose="020B0503030403020204" pitchFamily="34" charset="0"/>
-              </a:rPr>
-              <a:t>	</a:t>
-            </a:r>
-            <a:r>
-              <a:rPr lang="en-US" sz="2000" dirty="0" err="1">
-                <a:latin typeface="Source Sans Pro" panose="020B0503030403020204" pitchFamily="34" charset="0"/>
-                <a:ea typeface="Source Sans Pro" panose="020B0503030403020204" pitchFamily="34" charset="0"/>
-              </a:rPr>
-              <a:t>currentTemp</a:t>
-            </a:r>
-            <a:r>
-              <a:rPr lang="en-US" sz="2000" dirty="0">
-                <a:latin typeface="Source Sans Pro" panose="020B0503030403020204" pitchFamily="34" charset="0"/>
-                <a:ea typeface="Source Sans Pro" panose="020B0503030403020204" pitchFamily="34" charset="0"/>
-              </a:rPr>
-              <a:t> = 0</a:t>
-            </a:r>
-          </a:p>
-          <a:p>
-            <a:endParaRPr lang="en-US" sz="2000" dirty="0">
-              <a:latin typeface="Source Sans Pro" panose="020B0503030403020204" pitchFamily="34" charset="0"/>
-              <a:ea typeface="Source Sans Pro" panose="020B0503030403020204" pitchFamily="34" charset="0"/>
-            </a:endParaRPr>
-          </a:p>
-          <a:p>
-            <a:r>
-              <a:rPr lang="en-US" sz="2000" dirty="0">
-                <a:latin typeface="Source Sans Pro" panose="020B0503030403020204" pitchFamily="34" charset="0"/>
-                <a:ea typeface="Source Sans Pro" panose="020B0503030403020204" pitchFamily="34" charset="0"/>
-              </a:rPr>
-              <a:t>when POWER == ON &amp; </a:t>
-            </a:r>
-            <a:r>
-              <a:rPr lang="en-US" sz="2000" dirty="0" err="1">
-                <a:latin typeface="Source Sans Pro" panose="020B0503030403020204" pitchFamily="34" charset="0"/>
-                <a:ea typeface="Source Sans Pro" panose="020B0503030403020204" pitchFamily="34" charset="0"/>
-              </a:rPr>
-              <a:t>syncButton</a:t>
-            </a:r>
-            <a:r>
-              <a:rPr lang="en-US" sz="2000" dirty="0">
-                <a:latin typeface="Source Sans Pro" panose="020B0503030403020204" pitchFamily="34" charset="0"/>
-                <a:ea typeface="Source Sans Pro" panose="020B0503030403020204" pitchFamily="34" charset="0"/>
-              </a:rPr>
-              <a:t> == </a:t>
-            </a:r>
-            <a:r>
-              <a:rPr lang="en-US" sz="2000" dirty="0" err="1">
-                <a:latin typeface="Source Sans Pro" panose="020B0503030403020204" pitchFamily="34" charset="0"/>
-                <a:ea typeface="Source Sans Pro" panose="020B0503030403020204" pitchFamily="34" charset="0"/>
-              </a:rPr>
-              <a:t>wasPressed</a:t>
-            </a:r>
-            <a:r>
-              <a:rPr lang="en-US" sz="2000" dirty="0">
-                <a:latin typeface="Source Sans Pro" panose="020B0503030403020204" pitchFamily="34" charset="0"/>
-                <a:ea typeface="Source Sans Pro" panose="020B0503030403020204" pitchFamily="34" charset="0"/>
-              </a:rPr>
-              <a:t>:</a:t>
-            </a:r>
-          </a:p>
-          <a:p>
-            <a:r>
-              <a:rPr lang="en-US" sz="2000" dirty="0">
-                <a:latin typeface="Source Sans Pro" panose="020B0503030403020204" pitchFamily="34" charset="0"/>
-                <a:ea typeface="Source Sans Pro" panose="020B0503030403020204" pitchFamily="34" charset="0"/>
-              </a:rPr>
-              <a:t>	while (</a:t>
-            </a:r>
-            <a:r>
-              <a:rPr lang="en-US" sz="2000" dirty="0" err="1">
-                <a:latin typeface="Source Sans Pro" panose="020B0503030403020204" pitchFamily="34" charset="0"/>
-                <a:ea typeface="Source Sans Pro" panose="020B0503030403020204" pitchFamily="34" charset="0"/>
-              </a:rPr>
-              <a:t>tempoNOTfound</a:t>
-            </a:r>
-            <a:r>
-              <a:rPr lang="en-US" sz="2000" dirty="0">
-                <a:latin typeface="Source Sans Pro" panose="020B0503030403020204" pitchFamily="34" charset="0"/>
-                <a:ea typeface="Source Sans Pro" panose="020B0503030403020204" pitchFamily="34" charset="0"/>
-              </a:rPr>
-              <a:t>)	</a:t>
-            </a:r>
-          </a:p>
-          <a:p>
-            <a:r>
-              <a:rPr lang="en-US" sz="2000" dirty="0">
-                <a:latin typeface="Source Sans Pro" panose="020B0503030403020204" pitchFamily="34" charset="0"/>
-                <a:ea typeface="Source Sans Pro" panose="020B0503030403020204" pitchFamily="34" charset="0"/>
-              </a:rPr>
-              <a:t>		Blink all LEDs in set simultaneously</a:t>
-            </a:r>
-          </a:p>
-          <a:p>
-            <a:r>
-              <a:rPr lang="en-US" sz="2000" dirty="0">
-                <a:latin typeface="Source Sans Pro" panose="020B0503030403020204" pitchFamily="34" charset="0"/>
-                <a:ea typeface="Source Sans Pro" panose="020B0503030403020204" pitchFamily="34" charset="0"/>
-              </a:rPr>
-              <a:t>		Activate USB microphone</a:t>
-            </a:r>
-          </a:p>
-          <a:p>
-            <a:r>
-              <a:rPr lang="en-US" sz="2000" dirty="0">
-                <a:latin typeface="Source Sans Pro" panose="020B0503030403020204" pitchFamily="34" charset="0"/>
-                <a:ea typeface="Source Sans Pro" panose="020B0503030403020204" pitchFamily="34" charset="0"/>
-              </a:rPr>
-              <a:t>		Analyze AUDIO input</a:t>
-            </a:r>
-          </a:p>
-          <a:p>
-            <a:r>
-              <a:rPr lang="en-US" sz="2000" dirty="0">
-                <a:latin typeface="Source Sans Pro" panose="020B0503030403020204" pitchFamily="34" charset="0"/>
-                <a:ea typeface="Source Sans Pro" panose="020B0503030403020204" pitchFamily="34" charset="0"/>
-              </a:rPr>
-              <a:t>	</a:t>
-            </a:r>
-            <a:r>
-              <a:rPr lang="en-US" sz="2000" dirty="0" err="1">
-                <a:latin typeface="Source Sans Pro" panose="020B0503030403020204" pitchFamily="34" charset="0"/>
-                <a:ea typeface="Source Sans Pro" panose="020B0503030403020204" pitchFamily="34" charset="0"/>
-              </a:rPr>
-              <a:t>currentTemp</a:t>
-            </a:r>
-            <a:r>
-              <a:rPr lang="en-US" sz="2000" dirty="0">
-                <a:latin typeface="Source Sans Pro" panose="020B0503030403020204" pitchFamily="34" charset="0"/>
-                <a:ea typeface="Source Sans Pro" panose="020B0503030403020204" pitchFamily="34" charset="0"/>
-              </a:rPr>
-              <a:t> == Tempo found by analysis</a:t>
-            </a:r>
-          </a:p>
-          <a:p>
-            <a:r>
-              <a:rPr lang="en-US" sz="2000" dirty="0">
-                <a:latin typeface="Source Sans Pro" panose="020B0503030403020204" pitchFamily="34" charset="0"/>
-                <a:ea typeface="Source Sans Pro" panose="020B0503030403020204" pitchFamily="34" charset="0"/>
-              </a:rPr>
-              <a:t>	Blink LEDs consecutively @ </a:t>
-            </a:r>
-            <a:r>
-              <a:rPr lang="en-US" sz="2000" dirty="0" err="1">
-                <a:latin typeface="Source Sans Pro" panose="020B0503030403020204" pitchFamily="34" charset="0"/>
-                <a:ea typeface="Source Sans Pro" panose="020B0503030403020204" pitchFamily="34" charset="0"/>
-              </a:rPr>
-              <a:t>currentTemp</a:t>
-            </a:r>
-            <a:r>
-              <a:rPr lang="en-US" sz="2000" dirty="0">
-                <a:latin typeface="Source Sans Pro" panose="020B0503030403020204" pitchFamily="34" charset="0"/>
-                <a:ea typeface="Source Sans Pro" panose="020B0503030403020204" pitchFamily="34" charset="0"/>
-              </a:rPr>
-              <a:t> (signify 4 beats per measure)</a:t>
-            </a:r>
-          </a:p>
-          <a:p>
-            <a:r>
-              <a:rPr lang="en-US" sz="2000" dirty="0">
-                <a:latin typeface="Source Sans Pro" panose="020B0503030403020204" pitchFamily="34" charset="0"/>
-                <a:ea typeface="Source Sans Pro" panose="020B0503030403020204" pitchFamily="34" charset="0"/>
-              </a:rPr>
-              <a:t>	</a:t>
-            </a:r>
-            <a:r>
-              <a:rPr lang="en-US" sz="2000" dirty="0" err="1">
-                <a:latin typeface="Source Sans Pro" panose="020B0503030403020204" pitchFamily="34" charset="0"/>
-                <a:ea typeface="Source Sans Pro" panose="020B0503030403020204" pitchFamily="34" charset="0"/>
-              </a:rPr>
-              <a:t>driveMotor</a:t>
-            </a:r>
-            <a:r>
-              <a:rPr lang="en-US" sz="2000" dirty="0">
-                <a:latin typeface="Source Sans Pro" panose="020B0503030403020204" pitchFamily="34" charset="0"/>
-                <a:ea typeface="Source Sans Pro" panose="020B0503030403020204" pitchFamily="34" charset="0"/>
-              </a:rPr>
-              <a:t>(</a:t>
-            </a:r>
-            <a:r>
-              <a:rPr lang="en-US" sz="2000" dirty="0" err="1">
-                <a:latin typeface="Source Sans Pro" panose="020B0503030403020204" pitchFamily="34" charset="0"/>
-                <a:ea typeface="Source Sans Pro" panose="020B0503030403020204" pitchFamily="34" charset="0"/>
-              </a:rPr>
-              <a:t>hh,currentTemp</a:t>
-            </a:r>
-            <a:r>
-              <a:rPr lang="en-US" sz="2000" dirty="0">
-                <a:latin typeface="Source Sans Pro" panose="020B0503030403020204" pitchFamily="34" charset="0"/>
-                <a:ea typeface="Source Sans Pro" panose="020B0503030403020204" pitchFamily="34" charset="0"/>
-              </a:rPr>
-              <a:t>)</a:t>
-            </a:r>
-          </a:p>
-          <a:p>
-            <a:r>
-              <a:rPr lang="en-US" sz="2000" dirty="0">
-                <a:latin typeface="Source Sans Pro" panose="020B0503030403020204" pitchFamily="34" charset="0"/>
-                <a:ea typeface="Source Sans Pro" panose="020B0503030403020204" pitchFamily="34" charset="0"/>
-              </a:rPr>
-              <a:t>	</a:t>
-            </a:r>
-          </a:p>
-          <a:p>
-            <a:r>
-              <a:rPr lang="en-US" sz="2000" dirty="0">
-                <a:latin typeface="Source Sans Pro" panose="020B0503030403020204" pitchFamily="34" charset="0"/>
-                <a:ea typeface="Source Sans Pro" panose="020B0503030403020204" pitchFamily="34" charset="0"/>
-              </a:rPr>
-              <a:t>	</a:t>
-            </a:r>
-          </a:p>
-          <a:p>
-            <a:r>
-              <a:rPr lang="en-US" sz="2000" dirty="0">
-                <a:latin typeface="Source Sans Pro" panose="020B0503030403020204" pitchFamily="34" charset="0"/>
-                <a:ea typeface="Source Sans Pro" panose="020B0503030403020204" pitchFamily="34" charset="0"/>
-              </a:rPr>
-              <a:t> </a:t>
-            </a:r>
-          </a:p>
-        </p:txBody>
-      </p:sp>
-      <p:sp>
-        <p:nvSpPr>
-          <p:cNvPr id="5" name="TextBox 4">
-            <a:extLst>
-              <a:ext uri="{FF2B5EF4-FFF2-40B4-BE49-F238E27FC236}">
-                <a16:creationId xmlns:a16="http://schemas.microsoft.com/office/drawing/2014/main" id="{5AEC4822-49C5-6ED0-F40E-C91F8B388DE1}"/>
-              </a:ext>
-            </a:extLst>
-          </p:cNvPr>
-          <p:cNvSpPr txBox="1"/>
-          <p:nvPr/>
-        </p:nvSpPr>
-        <p:spPr>
-          <a:xfrm>
-            <a:off x="304800" y="419100"/>
-            <a:ext cx="8382000" cy="553998"/>
-          </a:xfrm>
-          <a:prstGeom prst="rect">
-            <a:avLst/>
-          </a:prstGeom>
-          <a:noFill/>
-        </p:spPr>
-        <p:txBody>
-          <a:bodyPr wrap="square" rtlCol="0">
-            <a:spAutoFit/>
-          </a:bodyPr>
-          <a:lstStyle/>
-          <a:p>
-            <a:r>
-              <a:rPr lang="en-US" sz="3000" b="1" dirty="0">
-                <a:latin typeface="Source Sans Pro" panose="020B0503030403020204" pitchFamily="34" charset="0"/>
-                <a:ea typeface="Source Sans Pro" panose="020B0503030403020204" pitchFamily="34" charset="0"/>
-              </a:rPr>
-              <a:t>OVERARCHING SOFTWARE SETUP</a:t>
-            </a:r>
-          </a:p>
-        </p:txBody>
-      </p:sp>
+      </p:pic>
     </p:spTree>
     <p:extLst>
       <p:ext uri="{BB962C8B-B14F-4D97-AF65-F5344CB8AC3E}">
-        <p14:creationId xmlns:p14="http://schemas.microsoft.com/office/powerpoint/2010/main" val="465943177"/>
+        <p14:creationId xmlns:p14="http://schemas.microsoft.com/office/powerpoint/2010/main" val="1872776631"/>
       </p:ext>
     </p:extLst>
   </p:cSld>
@@ -3909,7 +3632,7 @@
           <p:cNvPr id="4" name="TextBox 3">
             <a:extLst>
               <a:ext uri="{FF2B5EF4-FFF2-40B4-BE49-F238E27FC236}">
-                <a16:creationId xmlns:a16="http://schemas.microsoft.com/office/drawing/2014/main" id="{CA272C79-6916-8C2B-CA7B-F1B0C6A0FFA9}"/>
+                <a16:creationId xmlns:a16="http://schemas.microsoft.com/office/drawing/2014/main" id="{3101E37C-D4B0-B640-23D0-EF90BDFCCFE2}"/>
               </a:ext>
             </a:extLst>
           </p:cNvPr>
@@ -3918,8 +3641,8 @@
         </p:nvSpPr>
         <p:spPr>
           <a:xfrm>
-            <a:off x="990600" y="1219200"/>
-            <a:ext cx="11696700" cy="3170099"/>
+            <a:off x="1028700" y="1104900"/>
+            <a:ext cx="11696700" cy="5632311"/>
           </a:xfrm>
           <a:prstGeom prst="rect">
             <a:avLst/>
@@ -3933,51 +3656,37 @@
           <a:lstStyle/>
           <a:p>
             <a:r>
+              <a:rPr lang="en-US" sz="2000" dirty="0">
+                <a:latin typeface="Source Sans Pro" panose="020B0503030403020204" pitchFamily="34" charset="0"/>
+                <a:ea typeface="Source Sans Pro" panose="020B0503030403020204" pitchFamily="34" charset="0"/>
+              </a:rPr>
+              <a:t>when POWER == OFF &amp; </a:t>
+            </a:r>
+            <a:r>
               <a:rPr lang="en-US" sz="2000" dirty="0" err="1">
                 <a:latin typeface="Source Sans Pro" panose="020B0503030403020204" pitchFamily="34" charset="0"/>
                 <a:ea typeface="Source Sans Pro" panose="020B0503030403020204" pitchFamily="34" charset="0"/>
               </a:rPr>
-              <a:t>ledBlink</a:t>
+              <a:t>powButton</a:t>
             </a:r>
             <a:r>
               <a:rPr lang="en-US" sz="2000" dirty="0">
                 <a:latin typeface="Source Sans Pro" panose="020B0503030403020204" pitchFamily="34" charset="0"/>
                 <a:ea typeface="Source Sans Pro" panose="020B0503030403020204" pitchFamily="34" charset="0"/>
               </a:rPr>
-              <a:t>(tempo)</a:t>
-            </a:r>
-          </a:p>
-          <a:p>
-            <a:pPr marL="285750" indent="-285750">
-              <a:buFont typeface="Arial" panose="020B0604020202020204" pitchFamily="34" charset="0"/>
-              <a:buChar char="•"/>
-            </a:pPr>
+              <a:t> == PRESSED: </a:t>
+            </a:r>
+          </a:p>
+          <a:p>
             <a:r>
               <a:rPr lang="en-US" sz="2000" dirty="0">
                 <a:latin typeface="Source Sans Pro" panose="020B0503030403020204" pitchFamily="34" charset="0"/>
                 <a:ea typeface="Source Sans Pro" panose="020B0503030403020204" pitchFamily="34" charset="0"/>
               </a:rPr>
-              <a:t>Takes integer bpm as input</a:t>
-            </a:r>
-          </a:p>
-          <a:p>
-            <a:pPr marL="285750" indent="-285750">
-              <a:buFont typeface="Arial" panose="020B0604020202020204" pitchFamily="34" charset="0"/>
-              <a:buChar char="•"/>
-            </a:pPr>
-            <a:r>
-              <a:rPr lang="en-US" sz="2000" dirty="0">
-                <a:latin typeface="Source Sans Pro" panose="020B0503030403020204" pitchFamily="34" charset="0"/>
-                <a:ea typeface="Source Sans Pro" panose="020B0503030403020204" pitchFamily="34" charset="0"/>
-              </a:rPr>
-              <a:t>Activates individual LEDs consecutively to generate visual 4-beat measure</a:t>
-            </a:r>
-          </a:p>
-          <a:p>
-            <a:pPr marL="285750" indent="-285750">
-              <a:buFont typeface="Arial" panose="020B0604020202020204" pitchFamily="34" charset="0"/>
-              <a:buChar char="•"/>
-            </a:pPr>
+              <a:t>	turn on </a:t>
+            </a:r>
+          </a:p>
+          <a:p>
             <a:endParaRPr lang="en-US" sz="2000" dirty="0">
               <a:latin typeface="Source Sans Pro" panose="020B0503030403020204" pitchFamily="34" charset="0"/>
               <a:ea typeface="Source Sans Pro" panose="020B0503030403020204" pitchFamily="34" charset="0"/>
@@ -3985,10 +3694,197 @@
           </a:p>
           <a:p>
             <a:r>
+              <a:rPr lang="en-US" sz="2000" dirty="0">
+                <a:latin typeface="Source Sans Pro" panose="020B0503030403020204" pitchFamily="34" charset="0"/>
+                <a:ea typeface="Source Sans Pro" panose="020B0503030403020204" pitchFamily="34" charset="0"/>
+              </a:rPr>
+              <a:t>when POWER == ON </a:t>
+            </a:r>
+          </a:p>
+          <a:p>
+            <a:r>
+              <a:rPr lang="en-US" sz="2000" dirty="0">
+                <a:latin typeface="Source Sans Pro" panose="020B0503030403020204" pitchFamily="34" charset="0"/>
+                <a:ea typeface="Source Sans Pro" panose="020B0503030403020204" pitchFamily="34" charset="0"/>
+              </a:rPr>
+              <a:t>	LED set == ON, steady state</a:t>
+            </a:r>
+          </a:p>
+          <a:p>
+            <a:r>
+              <a:rPr lang="en-US" sz="2000" dirty="0">
+                <a:latin typeface="Source Sans Pro" panose="020B0503030403020204" pitchFamily="34" charset="0"/>
+                <a:ea typeface="Source Sans Pro" panose="020B0503030403020204" pitchFamily="34" charset="0"/>
+              </a:rPr>
+              <a:t>	</a:t>
+            </a:r>
+            <a:r>
               <a:rPr lang="en-US" sz="2000" dirty="0" err="1">
                 <a:latin typeface="Source Sans Pro" panose="020B0503030403020204" pitchFamily="34" charset="0"/>
                 <a:ea typeface="Source Sans Pro" panose="020B0503030403020204" pitchFamily="34" charset="0"/>
               </a:rPr>
+              <a:t>currentTemp</a:t>
+            </a:r>
+            <a:r>
+              <a:rPr lang="en-US" sz="2000" dirty="0">
+                <a:latin typeface="Source Sans Pro" panose="020B0503030403020204" pitchFamily="34" charset="0"/>
+                <a:ea typeface="Source Sans Pro" panose="020B0503030403020204" pitchFamily="34" charset="0"/>
+              </a:rPr>
+              <a:t> = 0</a:t>
+            </a:r>
+          </a:p>
+          <a:p>
+            <a:endParaRPr lang="en-US" sz="2000" dirty="0">
+              <a:latin typeface="Source Sans Pro" panose="020B0503030403020204" pitchFamily="34" charset="0"/>
+              <a:ea typeface="Source Sans Pro" panose="020B0503030403020204" pitchFamily="34" charset="0"/>
+            </a:endParaRPr>
+          </a:p>
+          <a:p>
+            <a:r>
+              <a:rPr lang="en-US" sz="2000" dirty="0">
+                <a:latin typeface="Source Sans Pro" panose="020B0503030403020204" pitchFamily="34" charset="0"/>
+                <a:ea typeface="Source Sans Pro" panose="020B0503030403020204" pitchFamily="34" charset="0"/>
+              </a:rPr>
+              <a:t>when POWER == ON &amp; </a:t>
+            </a:r>
+            <a:r>
+              <a:rPr lang="en-US" sz="2000" dirty="0" err="1">
+                <a:latin typeface="Source Sans Pro" panose="020B0503030403020204" pitchFamily="34" charset="0"/>
+                <a:ea typeface="Source Sans Pro" panose="020B0503030403020204" pitchFamily="34" charset="0"/>
+              </a:rPr>
+              <a:t>syncButton</a:t>
+            </a:r>
+            <a:r>
+              <a:rPr lang="en-US" sz="2000" dirty="0">
+                <a:latin typeface="Source Sans Pro" panose="020B0503030403020204" pitchFamily="34" charset="0"/>
+                <a:ea typeface="Source Sans Pro" panose="020B0503030403020204" pitchFamily="34" charset="0"/>
+              </a:rPr>
+              <a:t> == </a:t>
+            </a:r>
+            <a:r>
+              <a:rPr lang="en-US" sz="2000" dirty="0" err="1">
+                <a:latin typeface="Source Sans Pro" panose="020B0503030403020204" pitchFamily="34" charset="0"/>
+                <a:ea typeface="Source Sans Pro" panose="020B0503030403020204" pitchFamily="34" charset="0"/>
+              </a:rPr>
+              <a:t>wasPressed</a:t>
+            </a:r>
+            <a:r>
+              <a:rPr lang="en-US" sz="2000" dirty="0">
+                <a:latin typeface="Source Sans Pro" panose="020B0503030403020204" pitchFamily="34" charset="0"/>
+                <a:ea typeface="Source Sans Pro" panose="020B0503030403020204" pitchFamily="34" charset="0"/>
+              </a:rPr>
+              <a:t>:</a:t>
+            </a:r>
+          </a:p>
+          <a:p>
+            <a:r>
+              <a:rPr lang="en-US" sz="2000" dirty="0">
+                <a:latin typeface="Source Sans Pro" panose="020B0503030403020204" pitchFamily="34" charset="0"/>
+                <a:ea typeface="Source Sans Pro" panose="020B0503030403020204" pitchFamily="34" charset="0"/>
+              </a:rPr>
+              <a:t>	while (</a:t>
+            </a:r>
+            <a:r>
+              <a:rPr lang="en-US" sz="2000" dirty="0" err="1">
+                <a:latin typeface="Source Sans Pro" panose="020B0503030403020204" pitchFamily="34" charset="0"/>
+                <a:ea typeface="Source Sans Pro" panose="020B0503030403020204" pitchFamily="34" charset="0"/>
+              </a:rPr>
+              <a:t>tempoNOTfound</a:t>
+            </a:r>
+            <a:r>
+              <a:rPr lang="en-US" sz="2000" dirty="0">
+                <a:latin typeface="Source Sans Pro" panose="020B0503030403020204" pitchFamily="34" charset="0"/>
+                <a:ea typeface="Source Sans Pro" panose="020B0503030403020204" pitchFamily="34" charset="0"/>
+              </a:rPr>
+              <a:t>)	</a:t>
+            </a:r>
+          </a:p>
+          <a:p>
+            <a:r>
+              <a:rPr lang="en-US" sz="2000" dirty="0">
+                <a:latin typeface="Source Sans Pro" panose="020B0503030403020204" pitchFamily="34" charset="0"/>
+                <a:ea typeface="Source Sans Pro" panose="020B0503030403020204" pitchFamily="34" charset="0"/>
+              </a:rPr>
+              <a:t>		Blink all LEDs in set simultaneously</a:t>
+            </a:r>
+          </a:p>
+          <a:p>
+            <a:r>
+              <a:rPr lang="en-US" sz="2000" dirty="0">
+                <a:latin typeface="Source Sans Pro" panose="020B0503030403020204" pitchFamily="34" charset="0"/>
+                <a:ea typeface="Source Sans Pro" panose="020B0503030403020204" pitchFamily="34" charset="0"/>
+              </a:rPr>
+              <a:t>		Activate USB microphone</a:t>
+            </a:r>
+          </a:p>
+          <a:p>
+            <a:r>
+              <a:rPr lang="en-US" sz="2000" dirty="0">
+                <a:latin typeface="Source Sans Pro" panose="020B0503030403020204" pitchFamily="34" charset="0"/>
+                <a:ea typeface="Source Sans Pro" panose="020B0503030403020204" pitchFamily="34" charset="0"/>
+              </a:rPr>
+              <a:t>		Analyze AUDIO input</a:t>
+            </a:r>
+          </a:p>
+          <a:p>
+            <a:r>
+              <a:rPr lang="en-US" sz="2000" dirty="0">
+                <a:latin typeface="Source Sans Pro" panose="020B0503030403020204" pitchFamily="34" charset="0"/>
+                <a:ea typeface="Source Sans Pro" panose="020B0503030403020204" pitchFamily="34" charset="0"/>
+              </a:rPr>
+              <a:t>	</a:t>
+            </a:r>
+            <a:r>
+              <a:rPr lang="en-US" sz="2000" dirty="0" err="1">
+                <a:latin typeface="Source Sans Pro" panose="020B0503030403020204" pitchFamily="34" charset="0"/>
+                <a:ea typeface="Source Sans Pro" panose="020B0503030403020204" pitchFamily="34" charset="0"/>
+              </a:rPr>
+              <a:t>currentTemp</a:t>
+            </a:r>
+            <a:r>
+              <a:rPr lang="en-US" sz="2000" dirty="0">
+                <a:latin typeface="Source Sans Pro" panose="020B0503030403020204" pitchFamily="34" charset="0"/>
+                <a:ea typeface="Source Sans Pro" panose="020B0503030403020204" pitchFamily="34" charset="0"/>
+              </a:rPr>
+              <a:t> == Tempo found by analysis</a:t>
+            </a:r>
+          </a:p>
+          <a:p>
+            <a:r>
+              <a:rPr lang="en-US" sz="2000" dirty="0">
+                <a:latin typeface="Source Sans Pro" panose="020B0503030403020204" pitchFamily="34" charset="0"/>
+                <a:ea typeface="Source Sans Pro" panose="020B0503030403020204" pitchFamily="34" charset="0"/>
+              </a:rPr>
+              <a:t>	Blink LEDs consecutively @ </a:t>
+            </a:r>
+            <a:r>
+              <a:rPr lang="en-US" sz="2000" dirty="0" err="1">
+                <a:latin typeface="Source Sans Pro" panose="020B0503030403020204" pitchFamily="34" charset="0"/>
+                <a:ea typeface="Source Sans Pro" panose="020B0503030403020204" pitchFamily="34" charset="0"/>
+              </a:rPr>
+              <a:t>currentTemp</a:t>
+            </a:r>
+            <a:r>
+              <a:rPr lang="en-US" sz="2000" dirty="0">
+                <a:latin typeface="Source Sans Pro" panose="020B0503030403020204" pitchFamily="34" charset="0"/>
+                <a:ea typeface="Source Sans Pro" panose="020B0503030403020204" pitchFamily="34" charset="0"/>
+              </a:rPr>
+              <a:t> (signify 4 beats per measure)</a:t>
+            </a:r>
+          </a:p>
+          <a:p>
+            <a:r>
+              <a:rPr lang="en-US" sz="2000" dirty="0">
+                <a:latin typeface="Source Sans Pro" panose="020B0503030403020204" pitchFamily="34" charset="0"/>
+                <a:ea typeface="Source Sans Pro" panose="020B0503030403020204" pitchFamily="34" charset="0"/>
+              </a:rPr>
+              <a:t>	</a:t>
+            </a:r>
+            <a:r>
+              <a:rPr lang="en-US" sz="2000" dirty="0" err="1">
+                <a:latin typeface="Source Sans Pro" panose="020B0503030403020204" pitchFamily="34" charset="0"/>
+                <a:ea typeface="Source Sans Pro" panose="020B0503030403020204" pitchFamily="34" charset="0"/>
+              </a:rPr>
               <a:t>driveMotor</a:t>
             </a:r>
             <a:r>
@@ -3996,47 +3892,39 @@
                 <a:latin typeface="Source Sans Pro" panose="020B0503030403020204" pitchFamily="34" charset="0"/>
                 <a:ea typeface="Source Sans Pro" panose="020B0503030403020204" pitchFamily="34" charset="0"/>
               </a:rPr>
-              <a:t>(type, tempo)</a:t>
-            </a:r>
-          </a:p>
-          <a:p>
-            <a:pPr marL="285750" indent="-285750">
-              <a:buFont typeface="Arial" panose="020B0604020202020204" pitchFamily="34" charset="0"/>
-              <a:buChar char="•"/>
-            </a:pPr>
+              <a:t>(</a:t>
+            </a:r>
+            <a:r>
+              <a:rPr lang="en-US" sz="2000" dirty="0" err="1">
+                <a:latin typeface="Source Sans Pro" panose="020B0503030403020204" pitchFamily="34" charset="0"/>
+                <a:ea typeface="Source Sans Pro" panose="020B0503030403020204" pitchFamily="34" charset="0"/>
+              </a:rPr>
+              <a:t>hh,currentTemp</a:t>
+            </a:r>
             <a:r>
               <a:rPr lang="en-US" sz="2000" dirty="0">
                 <a:latin typeface="Source Sans Pro" panose="020B0503030403020204" pitchFamily="34" charset="0"/>
                 <a:ea typeface="Source Sans Pro" panose="020B0503030403020204" pitchFamily="34" charset="0"/>
               </a:rPr>
-              <a:t>Takes string drum type (</a:t>
-            </a:r>
-            <a:r>
-              <a:rPr lang="en-US" sz="2000" dirty="0" err="1">
-                <a:latin typeface="Source Sans Pro" panose="020B0503030403020204" pitchFamily="34" charset="0"/>
-                <a:ea typeface="Source Sans Pro" panose="020B0503030403020204" pitchFamily="34" charset="0"/>
-              </a:rPr>
-              <a:t>hh</a:t>
-            </a:r>
+              <a:t>)</a:t>
+            </a:r>
+          </a:p>
+          <a:p>
             <a:r>
               <a:rPr lang="en-US" sz="2000" dirty="0">
                 <a:latin typeface="Source Sans Pro" panose="020B0503030403020204" pitchFamily="34" charset="0"/>
                 <a:ea typeface="Source Sans Pro" panose="020B0503030403020204" pitchFamily="34" charset="0"/>
               </a:rPr>
-              <a:t> = “High hat”, td = “Tom drum”) and integer bpm as input</a:t>
-            </a:r>
-          </a:p>
-          <a:p>
-            <a:pPr marL="285750" indent="-285750">
-              <a:buFont typeface="Arial" panose="020B0604020202020204" pitchFamily="34" charset="0"/>
-              <a:buChar char="•"/>
-            </a:pPr>
+              <a:t>	</a:t>
+            </a:r>
+          </a:p>
+          <a:p>
             <a:r>
               <a:rPr lang="en-US" sz="2000" dirty="0">
                 <a:latin typeface="Source Sans Pro" panose="020B0503030403020204" pitchFamily="34" charset="0"/>
                 <a:ea typeface="Source Sans Pro" panose="020B0503030403020204" pitchFamily="34" charset="0"/>
               </a:rPr>
-              <a:t>Drives motor through custom rhythm prescribed by drum type at input bpm</a:t>
+              <a:t>	</a:t>
             </a:r>
           </a:p>
           <a:p>
@@ -4045,24 +3933,6 @@
                 <a:latin typeface="Source Sans Pro" panose="020B0503030403020204" pitchFamily="34" charset="0"/>
                 <a:ea typeface="Source Sans Pro" panose="020B0503030403020204" pitchFamily="34" charset="0"/>
               </a:rPr>
-              <a:t>	</a:t>
-            </a:r>
-          </a:p>
-          <a:p>
-            <a:r>
-              <a:rPr lang="en-US" sz="2000" dirty="0">
-                <a:latin typeface="Source Sans Pro" panose="020B0503030403020204" pitchFamily="34" charset="0"/>
-                <a:ea typeface="Source Sans Pro" panose="020B0503030403020204" pitchFamily="34" charset="0"/>
-              </a:rPr>
-              <a:t>	</a:t>
-            </a:r>
-          </a:p>
-          <a:p>
-            <a:r>
-              <a:rPr lang="en-US" sz="2000" dirty="0">
-                <a:latin typeface="Source Sans Pro" panose="020B0503030403020204" pitchFamily="34" charset="0"/>
-                <a:ea typeface="Source Sans Pro" panose="020B0503030403020204" pitchFamily="34" charset="0"/>
-              </a:rPr>
               <a:t> </a:t>
             </a:r>
           </a:p>
@@ -4073,7 +3943,7 @@
           <p:cNvPr id="5" name="TextBox 4">
             <a:extLst>
               <a:ext uri="{FF2B5EF4-FFF2-40B4-BE49-F238E27FC236}">
-                <a16:creationId xmlns:a16="http://schemas.microsoft.com/office/drawing/2014/main" id="{44FAF6E4-B767-8593-6332-FF9C079B6DB4}"/>
+                <a16:creationId xmlns:a16="http://schemas.microsoft.com/office/drawing/2014/main" id="{5AEC4822-49C5-6ED0-F40E-C91F8B388DE1}"/>
               </a:ext>
             </a:extLst>
           </p:cNvPr>
@@ -4082,7 +3952,7 @@
         </p:nvSpPr>
         <p:spPr>
           <a:xfrm>
-            <a:off x="495300" y="419100"/>
+            <a:off x="304800" y="419100"/>
             <a:ext cx="8382000" cy="553998"/>
           </a:xfrm>
           <a:prstGeom prst="rect">
@@ -4101,7 +3971,7 @@
                 <a:latin typeface="Source Sans Pro" panose="020B0503030403020204" pitchFamily="34" charset="0"/>
                 <a:ea typeface="Source Sans Pro" panose="020B0503030403020204" pitchFamily="34" charset="0"/>
               </a:rPr>
-              <a:t>SPECIFIC FUNCTIONS</a:t>
+              <a:t>OVERARCHING SOFTWARE SETUP</a:t>
             </a:r>
           </a:p>
         </p:txBody>
@@ -4109,7 +3979,7 @@
     </p:spTree>
     <p:extLst>
       <p:ext uri="{BB962C8B-B14F-4D97-AF65-F5344CB8AC3E}">
-        <p14:creationId xmlns:p14="http://schemas.microsoft.com/office/powerpoint/2010/main" val="1137734041"/>
+        <p14:creationId xmlns:p14="http://schemas.microsoft.com/office/powerpoint/2010/main" val="465943177"/>
       </p:ext>
     </p:extLst>
   </p:cSld>
@@ -4141,6 +4011,238 @@
           <p:cNvPr id="4" name="TextBox 3">
             <a:extLst>
               <a:ext uri="{FF2B5EF4-FFF2-40B4-BE49-F238E27FC236}">
+                <a16:creationId xmlns:a16="http://schemas.microsoft.com/office/drawing/2014/main" id="{CA272C79-6916-8C2B-CA7B-F1B0C6A0FFA9}"/>
+              </a:ext>
+            </a:extLst>
+          </p:cNvPr>
+          <p:cNvSpPr txBox="1"/>
+          <p:nvPr/>
+        </p:nvSpPr>
+        <p:spPr>
+          <a:xfrm>
+            <a:off x="990600" y="1219200"/>
+            <a:ext cx="11696700" cy="3170099"/>
+          </a:xfrm>
+          <a:prstGeom prst="rect">
+            <a:avLst/>
+          </a:prstGeom>
+          <a:noFill/>
+        </p:spPr>
+        <p:txBody>
+          <a:bodyPr wrap="square" rtlCol="0">
+            <a:spAutoFit/>
+          </a:bodyPr>
+          <a:lstStyle/>
+          <a:p>
+            <a:r>
+              <a:rPr lang="en-US" sz="2000" dirty="0" err="1">
+                <a:latin typeface="Source Sans Pro" panose="020B0503030403020204" pitchFamily="34" charset="0"/>
+                <a:ea typeface="Source Sans Pro" panose="020B0503030403020204" pitchFamily="34" charset="0"/>
+              </a:rPr>
+              <a:t>ledBlink</a:t>
+            </a:r>
+            <a:r>
+              <a:rPr lang="en-US" sz="2000" dirty="0">
+                <a:latin typeface="Source Sans Pro" panose="020B0503030403020204" pitchFamily="34" charset="0"/>
+                <a:ea typeface="Source Sans Pro" panose="020B0503030403020204" pitchFamily="34" charset="0"/>
+              </a:rPr>
+              <a:t>(tempo)</a:t>
+            </a:r>
+          </a:p>
+          <a:p>
+            <a:pPr marL="285750" indent="-285750">
+              <a:buFont typeface="Arial" panose="020B0604020202020204" pitchFamily="34" charset="0"/>
+              <a:buChar char="•"/>
+            </a:pPr>
+            <a:r>
+              <a:rPr lang="en-US" sz="2000" dirty="0">
+                <a:latin typeface="Source Sans Pro" panose="020B0503030403020204" pitchFamily="34" charset="0"/>
+                <a:ea typeface="Source Sans Pro" panose="020B0503030403020204" pitchFamily="34" charset="0"/>
+              </a:rPr>
+              <a:t>Takes integer bpm as input</a:t>
+            </a:r>
+          </a:p>
+          <a:p>
+            <a:pPr marL="285750" indent="-285750">
+              <a:buFont typeface="Arial" panose="020B0604020202020204" pitchFamily="34" charset="0"/>
+              <a:buChar char="•"/>
+            </a:pPr>
+            <a:r>
+              <a:rPr lang="en-US" sz="2000" dirty="0">
+                <a:latin typeface="Source Sans Pro" panose="020B0503030403020204" pitchFamily="34" charset="0"/>
+                <a:ea typeface="Source Sans Pro" panose="020B0503030403020204" pitchFamily="34" charset="0"/>
+              </a:rPr>
+              <a:t>Activates individual LEDs consecutively to generate visual 4-beat measure</a:t>
+            </a:r>
+          </a:p>
+          <a:p>
+            <a:pPr marL="285750" indent="-285750">
+              <a:buFont typeface="Arial" panose="020B0604020202020204" pitchFamily="34" charset="0"/>
+              <a:buChar char="•"/>
+            </a:pPr>
+            <a:endParaRPr lang="en-US" sz="2000" dirty="0">
+              <a:latin typeface="Source Sans Pro" panose="020B0503030403020204" pitchFamily="34" charset="0"/>
+              <a:ea typeface="Source Sans Pro" panose="020B0503030403020204" pitchFamily="34" charset="0"/>
+            </a:endParaRPr>
+          </a:p>
+          <a:p>
+            <a:r>
+              <a:rPr lang="en-US" sz="2000" dirty="0" err="1">
+                <a:latin typeface="Source Sans Pro" panose="020B0503030403020204" pitchFamily="34" charset="0"/>
+                <a:ea typeface="Source Sans Pro" panose="020B0503030403020204" pitchFamily="34" charset="0"/>
+              </a:rPr>
+              <a:t>driveMotor</a:t>
+            </a:r>
+            <a:r>
+              <a:rPr lang="en-US" sz="2000" dirty="0">
+                <a:latin typeface="Source Sans Pro" panose="020B0503030403020204" pitchFamily="34" charset="0"/>
+                <a:ea typeface="Source Sans Pro" panose="020B0503030403020204" pitchFamily="34" charset="0"/>
+              </a:rPr>
+              <a:t>(type, tempo)</a:t>
+            </a:r>
+          </a:p>
+          <a:p>
+            <a:pPr marL="285750" indent="-285750">
+              <a:buFont typeface="Arial" panose="020B0604020202020204" pitchFamily="34" charset="0"/>
+              <a:buChar char="•"/>
+            </a:pPr>
+            <a:r>
+              <a:rPr lang="en-US" sz="2000" dirty="0">
+                <a:latin typeface="Source Sans Pro" panose="020B0503030403020204" pitchFamily="34" charset="0"/>
+                <a:ea typeface="Source Sans Pro" panose="020B0503030403020204" pitchFamily="34" charset="0"/>
+              </a:rPr>
+              <a:t>Takes string drum type (</a:t>
+            </a:r>
+            <a:r>
+              <a:rPr lang="en-US" sz="2000" dirty="0" err="1">
+                <a:latin typeface="Source Sans Pro" panose="020B0503030403020204" pitchFamily="34" charset="0"/>
+                <a:ea typeface="Source Sans Pro" panose="020B0503030403020204" pitchFamily="34" charset="0"/>
+              </a:rPr>
+              <a:t>hh</a:t>
+            </a:r>
+            <a:r>
+              <a:rPr lang="en-US" sz="2000" dirty="0">
+                <a:latin typeface="Source Sans Pro" panose="020B0503030403020204" pitchFamily="34" charset="0"/>
+                <a:ea typeface="Source Sans Pro" panose="020B0503030403020204" pitchFamily="34" charset="0"/>
+              </a:rPr>
+              <a:t> = “High hat”, td = “Tom drum”) and integer bpm as input</a:t>
+            </a:r>
+          </a:p>
+          <a:p>
+            <a:pPr marL="285750" indent="-285750">
+              <a:buFont typeface="Arial" panose="020B0604020202020204" pitchFamily="34" charset="0"/>
+              <a:buChar char="•"/>
+            </a:pPr>
+            <a:r>
+              <a:rPr lang="en-US" sz="2000" dirty="0">
+                <a:latin typeface="Source Sans Pro" panose="020B0503030403020204" pitchFamily="34" charset="0"/>
+                <a:ea typeface="Source Sans Pro" panose="020B0503030403020204" pitchFamily="34" charset="0"/>
+              </a:rPr>
+              <a:t>Drives motor through custom rhythm prescribed by drum type at input bpm</a:t>
+            </a:r>
+          </a:p>
+          <a:p>
+            <a:r>
+              <a:rPr lang="en-US" sz="2000" dirty="0">
+                <a:latin typeface="Source Sans Pro" panose="020B0503030403020204" pitchFamily="34" charset="0"/>
+                <a:ea typeface="Source Sans Pro" panose="020B0503030403020204" pitchFamily="34" charset="0"/>
+              </a:rPr>
+              <a:t>	</a:t>
+            </a:r>
+          </a:p>
+          <a:p>
+            <a:r>
+              <a:rPr lang="en-US" sz="2000" dirty="0">
+                <a:latin typeface="Source Sans Pro" panose="020B0503030403020204" pitchFamily="34" charset="0"/>
+                <a:ea typeface="Source Sans Pro" panose="020B0503030403020204" pitchFamily="34" charset="0"/>
+              </a:rPr>
+              <a:t>	</a:t>
+            </a:r>
+          </a:p>
+          <a:p>
+            <a:r>
+              <a:rPr lang="en-US" sz="2000" dirty="0">
+                <a:latin typeface="Source Sans Pro" panose="020B0503030403020204" pitchFamily="34" charset="0"/>
+                <a:ea typeface="Source Sans Pro" panose="020B0503030403020204" pitchFamily="34" charset="0"/>
+              </a:rPr>
+              <a:t> </a:t>
+            </a:r>
+          </a:p>
+        </p:txBody>
+      </p:sp>
+      <p:sp>
+        <p:nvSpPr>
+          <p:cNvPr id="5" name="TextBox 4">
+            <a:extLst>
+              <a:ext uri="{FF2B5EF4-FFF2-40B4-BE49-F238E27FC236}">
+                <a16:creationId xmlns:a16="http://schemas.microsoft.com/office/drawing/2014/main" id="{44FAF6E4-B767-8593-6332-FF9C079B6DB4}"/>
+              </a:ext>
+            </a:extLst>
+          </p:cNvPr>
+          <p:cNvSpPr txBox="1"/>
+          <p:nvPr/>
+        </p:nvSpPr>
+        <p:spPr>
+          <a:xfrm>
+            <a:off x="495300" y="419100"/>
+            <a:ext cx="8382000" cy="553998"/>
+          </a:xfrm>
+          <a:prstGeom prst="rect">
+            <a:avLst/>
+          </a:prstGeom>
+          <a:noFill/>
+        </p:spPr>
+        <p:txBody>
+          <a:bodyPr wrap="square" rtlCol="0">
+            <a:spAutoFit/>
+          </a:bodyPr>
+          <a:lstStyle/>
+          <a:p>
+            <a:r>
+              <a:rPr lang="en-US" sz="3000" b="1" dirty="0">
+                <a:latin typeface="Source Sans Pro" panose="020B0503030403020204" pitchFamily="34" charset="0"/>
+                <a:ea typeface="Source Sans Pro" panose="020B0503030403020204" pitchFamily="34" charset="0"/>
+              </a:rPr>
+              <a:t>SPECIFIC FUNCTIONS</a:t>
+            </a:r>
+          </a:p>
+        </p:txBody>
+      </p:sp>
+    </p:spTree>
+    <p:extLst>
+      <p:ext uri="{BB962C8B-B14F-4D97-AF65-F5344CB8AC3E}">
+        <p14:creationId xmlns:p14="http://schemas.microsoft.com/office/powerpoint/2010/main" val="1137734041"/>
+      </p:ext>
+    </p:extLst>
+  </p:cSld>
+  <p:clrMapOvr>
+    <a:masterClrMapping/>
+  </p:clrMapOvr>
+</p:sld>
+</file>
+
+<file path=ppt/slides/slide6.xml><?xml version="1.0" encoding="utf-8"?>
+<p:sld xmlns:a="http://schemas.openxmlformats.org/drawingml/2006/main" xmlns:r="http://schemas.openxmlformats.org/officeDocument/2006/relationships" xmlns:p="http://schemas.openxmlformats.org/presentationml/2006/main">
+  <p:cSld>
+    <p:spTree>
+      <p:nvGrpSpPr>
+        <p:cNvPr id="1" name=""/>
+        <p:cNvGrpSpPr/>
+        <p:nvPr/>
+      </p:nvGrpSpPr>
+      <p:grpSpPr>
+        <a:xfrm>
+          <a:off x="0" y="0"/>
+          <a:ext cx="0" cy="0"/>
+          <a:chOff x="0" y="0"/>
+          <a:chExt cx="0" cy="0"/>
+        </a:xfrm>
+      </p:grpSpPr>
+      <p:sp>
+        <p:nvSpPr>
+          <p:cNvPr id="4" name="TextBox 3">
+            <a:extLst>
+              <a:ext uri="{FF2B5EF4-FFF2-40B4-BE49-F238E27FC236}">
                 <a16:creationId xmlns:a16="http://schemas.microsoft.com/office/drawing/2014/main" id="{A0514473-1718-646C-A0E5-904B7FE3ADAE}"/>
               </a:ext>
             </a:extLst>
@@ -4499,7 +4601,7 @@
 </p:sld>
 </file>
 
-<file path=ppt/slides/slide6.xml><?xml version="1.0" encoding="utf-8"?>
+<file path=ppt/slides/slide7.xml><?xml version="1.0" encoding="utf-8"?>
 <p:sld xmlns:a="http://schemas.openxmlformats.org/drawingml/2006/main" xmlns:r="http://schemas.openxmlformats.org/officeDocument/2006/relationships" xmlns:p="http://schemas.openxmlformats.org/presentationml/2006/main">
   <p:cSld>
     <p:spTree>

--- a/project-01/docs/Cooney_Project_01_Software_Diagrams.pptx
+++ b/project-01/docs/Cooney_Project_01_Software_Diagrams.pptx
@@ -265,7 +265,7 @@
           <a:p>
             <a:fld id="{6F9CC634-B9D1-8E43-9326-87ACE5943230}" type="datetimeFigureOut">
               <a:rPr lang="en-US" smtClean="0"/>
-              <a:t>2/26/23</a:t>
+              <a:t>2/27/23</a:t>
             </a:fld>
             <a:endParaRPr lang="en-US"/>
           </a:p>
@@ -463,7 +463,7 @@
           <a:p>
             <a:fld id="{6F9CC634-B9D1-8E43-9326-87ACE5943230}" type="datetimeFigureOut">
               <a:rPr lang="en-US" smtClean="0"/>
-              <a:t>2/26/23</a:t>
+              <a:t>2/27/23</a:t>
             </a:fld>
             <a:endParaRPr lang="en-US"/>
           </a:p>
@@ -671,7 +671,7 @@
           <a:p>
             <a:fld id="{6F9CC634-B9D1-8E43-9326-87ACE5943230}" type="datetimeFigureOut">
               <a:rPr lang="en-US" smtClean="0"/>
-              <a:t>2/26/23</a:t>
+              <a:t>2/27/23</a:t>
             </a:fld>
             <a:endParaRPr lang="en-US"/>
           </a:p>
@@ -869,7 +869,7 @@
           <a:p>
             <a:fld id="{6F9CC634-B9D1-8E43-9326-87ACE5943230}" type="datetimeFigureOut">
               <a:rPr lang="en-US" smtClean="0"/>
-              <a:t>2/26/23</a:t>
+              <a:t>2/27/23</a:t>
             </a:fld>
             <a:endParaRPr lang="en-US"/>
           </a:p>
@@ -1144,7 +1144,7 @@
           <a:p>
             <a:fld id="{6F9CC634-B9D1-8E43-9326-87ACE5943230}" type="datetimeFigureOut">
               <a:rPr lang="en-US" smtClean="0"/>
-              <a:t>2/26/23</a:t>
+              <a:t>2/27/23</a:t>
             </a:fld>
             <a:endParaRPr lang="en-US"/>
           </a:p>
@@ -1409,7 +1409,7 @@
           <a:p>
             <a:fld id="{6F9CC634-B9D1-8E43-9326-87ACE5943230}" type="datetimeFigureOut">
               <a:rPr lang="en-US" smtClean="0"/>
-              <a:t>2/26/23</a:t>
+              <a:t>2/27/23</a:t>
             </a:fld>
             <a:endParaRPr lang="en-US"/>
           </a:p>
@@ -1821,7 +1821,7 @@
           <a:p>
             <a:fld id="{6F9CC634-B9D1-8E43-9326-87ACE5943230}" type="datetimeFigureOut">
               <a:rPr lang="en-US" smtClean="0"/>
-              <a:t>2/26/23</a:t>
+              <a:t>2/27/23</a:t>
             </a:fld>
             <a:endParaRPr lang="en-US"/>
           </a:p>
@@ -1962,7 +1962,7 @@
           <a:p>
             <a:fld id="{6F9CC634-B9D1-8E43-9326-87ACE5943230}" type="datetimeFigureOut">
               <a:rPr lang="en-US" smtClean="0"/>
-              <a:t>2/26/23</a:t>
+              <a:t>2/27/23</a:t>
             </a:fld>
             <a:endParaRPr lang="en-US"/>
           </a:p>
@@ -2075,7 +2075,7 @@
           <a:p>
             <a:fld id="{6F9CC634-B9D1-8E43-9326-87ACE5943230}" type="datetimeFigureOut">
               <a:rPr lang="en-US" smtClean="0"/>
-              <a:t>2/26/23</a:t>
+              <a:t>2/27/23</a:t>
             </a:fld>
             <a:endParaRPr lang="en-US"/>
           </a:p>
@@ -2386,7 +2386,7 @@
           <a:p>
             <a:fld id="{6F9CC634-B9D1-8E43-9326-87ACE5943230}" type="datetimeFigureOut">
               <a:rPr lang="en-US" smtClean="0"/>
-              <a:t>2/26/23</a:t>
+              <a:t>2/27/23</a:t>
             </a:fld>
             <a:endParaRPr lang="en-US"/>
           </a:p>
@@ -2674,7 +2674,7 @@
           <a:p>
             <a:fld id="{6F9CC634-B9D1-8E43-9326-87ACE5943230}" type="datetimeFigureOut">
               <a:rPr lang="en-US" smtClean="0"/>
-              <a:t>2/26/23</a:t>
+              <a:t>2/27/23</a:t>
             </a:fld>
             <a:endParaRPr lang="en-US"/>
           </a:p>
@@ -2915,7 +2915,7 @@
           <a:p>
             <a:fld id="{6F9CC634-B9D1-8E43-9326-87ACE5943230}" type="datetimeFigureOut">
               <a:rPr lang="en-US" smtClean="0"/>
-              <a:t>2/26/23</a:t>
+              <a:t>2/27/23</a:t>
             </a:fld>
             <a:endParaRPr lang="en-US"/>
           </a:p>

--- a/project-01/docs/Cooney_Project_01_Software_Diagrams.pptx
+++ b/project-01/docs/Cooney_Project_01_Software_Diagrams.pptx
@@ -265,7 +265,7 @@
           <a:p>
             <a:fld id="{6F9CC634-B9D1-8E43-9326-87ACE5943230}" type="datetimeFigureOut">
               <a:rPr lang="en-US" smtClean="0"/>
-              <a:t>2/27/23</a:t>
+              <a:t>3/4/23</a:t>
             </a:fld>
             <a:endParaRPr lang="en-US"/>
           </a:p>
@@ -463,7 +463,7 @@
           <a:p>
             <a:fld id="{6F9CC634-B9D1-8E43-9326-87ACE5943230}" type="datetimeFigureOut">
               <a:rPr lang="en-US" smtClean="0"/>
-              <a:t>2/27/23</a:t>
+              <a:t>3/4/23</a:t>
             </a:fld>
             <a:endParaRPr lang="en-US"/>
           </a:p>
@@ -671,7 +671,7 @@
           <a:p>
             <a:fld id="{6F9CC634-B9D1-8E43-9326-87ACE5943230}" type="datetimeFigureOut">
               <a:rPr lang="en-US" smtClean="0"/>
-              <a:t>2/27/23</a:t>
+              <a:t>3/4/23</a:t>
             </a:fld>
             <a:endParaRPr lang="en-US"/>
           </a:p>
@@ -869,7 +869,7 @@
           <a:p>
             <a:fld id="{6F9CC634-B9D1-8E43-9326-87ACE5943230}" type="datetimeFigureOut">
               <a:rPr lang="en-US" smtClean="0"/>
-              <a:t>2/27/23</a:t>
+              <a:t>3/4/23</a:t>
             </a:fld>
             <a:endParaRPr lang="en-US"/>
           </a:p>
@@ -1144,7 +1144,7 @@
           <a:p>
             <a:fld id="{6F9CC634-B9D1-8E43-9326-87ACE5943230}" type="datetimeFigureOut">
               <a:rPr lang="en-US" smtClean="0"/>
-              <a:t>2/27/23</a:t>
+              <a:t>3/4/23</a:t>
             </a:fld>
             <a:endParaRPr lang="en-US"/>
           </a:p>
@@ -1409,7 +1409,7 @@
           <a:p>
             <a:fld id="{6F9CC634-B9D1-8E43-9326-87ACE5943230}" type="datetimeFigureOut">
               <a:rPr lang="en-US" smtClean="0"/>
-              <a:t>2/27/23</a:t>
+              <a:t>3/4/23</a:t>
             </a:fld>
             <a:endParaRPr lang="en-US"/>
           </a:p>
@@ -1821,7 +1821,7 @@
           <a:p>
             <a:fld id="{6F9CC634-B9D1-8E43-9326-87ACE5943230}" type="datetimeFigureOut">
               <a:rPr lang="en-US" smtClean="0"/>
-              <a:t>2/27/23</a:t>
+              <a:t>3/4/23</a:t>
             </a:fld>
             <a:endParaRPr lang="en-US"/>
           </a:p>
@@ -1962,7 +1962,7 @@
           <a:p>
             <a:fld id="{6F9CC634-B9D1-8E43-9326-87ACE5943230}" type="datetimeFigureOut">
               <a:rPr lang="en-US" smtClean="0"/>
-              <a:t>2/27/23</a:t>
+              <a:t>3/4/23</a:t>
             </a:fld>
             <a:endParaRPr lang="en-US"/>
           </a:p>
@@ -2075,7 +2075,7 @@
           <a:p>
             <a:fld id="{6F9CC634-B9D1-8E43-9326-87ACE5943230}" type="datetimeFigureOut">
               <a:rPr lang="en-US" smtClean="0"/>
-              <a:t>2/27/23</a:t>
+              <a:t>3/4/23</a:t>
             </a:fld>
             <a:endParaRPr lang="en-US"/>
           </a:p>
@@ -2386,7 +2386,7 @@
           <a:p>
             <a:fld id="{6F9CC634-B9D1-8E43-9326-87ACE5943230}" type="datetimeFigureOut">
               <a:rPr lang="en-US" smtClean="0"/>
-              <a:t>2/27/23</a:t>
+              <a:t>3/4/23</a:t>
             </a:fld>
             <a:endParaRPr lang="en-US"/>
           </a:p>
@@ -2674,7 +2674,7 @@
           <a:p>
             <a:fld id="{6F9CC634-B9D1-8E43-9326-87ACE5943230}" type="datetimeFigureOut">
               <a:rPr lang="en-US" smtClean="0"/>
-              <a:t>2/27/23</a:t>
+              <a:t>3/4/23</a:t>
             </a:fld>
             <a:endParaRPr lang="en-US"/>
           </a:p>
@@ -2915,7 +2915,7 @@
           <a:p>
             <a:fld id="{6F9CC634-B9D1-8E43-9326-87ACE5943230}" type="datetimeFigureOut">
               <a:rPr lang="en-US" smtClean="0"/>
-              <a:t>2/27/23</a:t>
+              <a:t>3/4/23</a:t>
             </a:fld>
             <a:endParaRPr lang="en-US"/>
           </a:p>

--- a/project-01/docs/Cooney_Project_01_Software_Diagrams.pptx
+++ b/project-01/docs/Cooney_Project_01_Software_Diagrams.pptx
@@ -9,7 +9,7 @@
     <p:sldId id="257" r:id="rId3"/>
     <p:sldId id="262" r:id="rId4"/>
     <p:sldId id="258" r:id="rId5"/>
-    <p:sldId id="259" r:id="rId6"/>
+    <p:sldId id="264" r:id="rId6"/>
     <p:sldId id="260" r:id="rId7"/>
     <p:sldId id="261" r:id="rId8"/>
   </p:sldIdLst>
@@ -265,7 +265,7 @@
           <a:p>
             <a:fld id="{6F9CC634-B9D1-8E43-9326-87ACE5943230}" type="datetimeFigureOut">
               <a:rPr lang="en-US" smtClean="0"/>
-              <a:t>3/4/23</a:t>
+              <a:t>3/6/23</a:t>
             </a:fld>
             <a:endParaRPr lang="en-US"/>
           </a:p>
@@ -463,7 +463,7 @@
           <a:p>
             <a:fld id="{6F9CC634-B9D1-8E43-9326-87ACE5943230}" type="datetimeFigureOut">
               <a:rPr lang="en-US" smtClean="0"/>
-              <a:t>3/4/23</a:t>
+              <a:t>3/6/23</a:t>
             </a:fld>
             <a:endParaRPr lang="en-US"/>
           </a:p>
@@ -671,7 +671,7 @@
           <a:p>
             <a:fld id="{6F9CC634-B9D1-8E43-9326-87ACE5943230}" type="datetimeFigureOut">
               <a:rPr lang="en-US" smtClean="0"/>
-              <a:t>3/4/23</a:t>
+              <a:t>3/6/23</a:t>
             </a:fld>
             <a:endParaRPr lang="en-US"/>
           </a:p>
@@ -869,7 +869,7 @@
           <a:p>
             <a:fld id="{6F9CC634-B9D1-8E43-9326-87ACE5943230}" type="datetimeFigureOut">
               <a:rPr lang="en-US" smtClean="0"/>
-              <a:t>3/4/23</a:t>
+              <a:t>3/6/23</a:t>
             </a:fld>
             <a:endParaRPr lang="en-US"/>
           </a:p>
@@ -1144,7 +1144,7 @@
           <a:p>
             <a:fld id="{6F9CC634-B9D1-8E43-9326-87ACE5943230}" type="datetimeFigureOut">
               <a:rPr lang="en-US" smtClean="0"/>
-              <a:t>3/4/23</a:t>
+              <a:t>3/6/23</a:t>
             </a:fld>
             <a:endParaRPr lang="en-US"/>
           </a:p>
@@ -1409,7 +1409,7 @@
           <a:p>
             <a:fld id="{6F9CC634-B9D1-8E43-9326-87ACE5943230}" type="datetimeFigureOut">
               <a:rPr lang="en-US" smtClean="0"/>
-              <a:t>3/4/23</a:t>
+              <a:t>3/6/23</a:t>
             </a:fld>
             <a:endParaRPr lang="en-US"/>
           </a:p>
@@ -1821,7 +1821,7 @@
           <a:p>
             <a:fld id="{6F9CC634-B9D1-8E43-9326-87ACE5943230}" type="datetimeFigureOut">
               <a:rPr lang="en-US" smtClean="0"/>
-              <a:t>3/4/23</a:t>
+              <a:t>3/6/23</a:t>
             </a:fld>
             <a:endParaRPr lang="en-US"/>
           </a:p>
@@ -1962,7 +1962,7 @@
           <a:p>
             <a:fld id="{6F9CC634-B9D1-8E43-9326-87ACE5943230}" type="datetimeFigureOut">
               <a:rPr lang="en-US" smtClean="0"/>
-              <a:t>3/4/23</a:t>
+              <a:t>3/6/23</a:t>
             </a:fld>
             <a:endParaRPr lang="en-US"/>
           </a:p>
@@ -2075,7 +2075,7 @@
           <a:p>
             <a:fld id="{6F9CC634-B9D1-8E43-9326-87ACE5943230}" type="datetimeFigureOut">
               <a:rPr lang="en-US" smtClean="0"/>
-              <a:t>3/4/23</a:t>
+              <a:t>3/6/23</a:t>
             </a:fld>
             <a:endParaRPr lang="en-US"/>
           </a:p>
@@ -2386,7 +2386,7 @@
           <a:p>
             <a:fld id="{6F9CC634-B9D1-8E43-9326-87ACE5943230}" type="datetimeFigureOut">
               <a:rPr lang="en-US" smtClean="0"/>
-              <a:t>3/4/23</a:t>
+              <a:t>3/6/23</a:t>
             </a:fld>
             <a:endParaRPr lang="en-US"/>
           </a:p>
@@ -2674,7 +2674,7 @@
           <a:p>
             <a:fld id="{6F9CC634-B9D1-8E43-9326-87ACE5943230}" type="datetimeFigureOut">
               <a:rPr lang="en-US" smtClean="0"/>
-              <a:t>3/4/23</a:t>
+              <a:t>3/6/23</a:t>
             </a:fld>
             <a:endParaRPr lang="en-US"/>
           </a:p>
@@ -2915,7 +2915,7 @@
           <a:p>
             <a:fld id="{6F9CC634-B9D1-8E43-9326-87ACE5943230}" type="datetimeFigureOut">
               <a:rPr lang="en-US" smtClean="0"/>
-              <a:t>3/4/23</a:t>
+              <a:t>3/6/23</a:t>
             </a:fld>
             <a:endParaRPr lang="en-US"/>
           </a:p>
@@ -4011,7 +4011,7 @@
           <p:cNvPr id="4" name="TextBox 3">
             <a:extLst>
               <a:ext uri="{FF2B5EF4-FFF2-40B4-BE49-F238E27FC236}">
-                <a16:creationId xmlns:a16="http://schemas.microsoft.com/office/drawing/2014/main" id="{CA272C79-6916-8C2B-CA7B-F1B0C6A0FFA9}"/>
+                <a16:creationId xmlns:a16="http://schemas.microsoft.com/office/drawing/2014/main" id="{3101E37C-D4B0-B640-23D0-EF90BDFCCFE2}"/>
               </a:ext>
             </a:extLst>
           </p:cNvPr>
@@ -4020,8 +4020,8 @@
         </p:nvSpPr>
         <p:spPr>
           <a:xfrm>
-            <a:off x="990600" y="1219200"/>
-            <a:ext cx="11696700" cy="3170099"/>
+            <a:off x="495300" y="1079848"/>
+            <a:ext cx="11696700" cy="4401205"/>
           </a:xfrm>
           <a:prstGeom prst="rect">
             <a:avLst/>
@@ -4034,23 +4034,7 @@
           </a:bodyPr>
           <a:lstStyle/>
           <a:p>
-            <a:r>
-              <a:rPr lang="en-US" sz="2000" dirty="0" err="1">
-                <a:latin typeface="Source Sans Pro" panose="020B0503030403020204" pitchFamily="34" charset="0"/>
-                <a:ea typeface="Source Sans Pro" panose="020B0503030403020204" pitchFamily="34" charset="0"/>
-              </a:rPr>
-              <a:t>ledBlink</a:t>
-            </a:r>
-            <a:r>
-              <a:rPr lang="en-US" sz="2000" dirty="0">
-                <a:latin typeface="Source Sans Pro" panose="020B0503030403020204" pitchFamily="34" charset="0"/>
-                <a:ea typeface="Source Sans Pro" panose="020B0503030403020204" pitchFamily="34" charset="0"/>
-              </a:rPr>
-              <a:t>(tempo)</a:t>
-            </a:r>
-          </a:p>
-          <a:p>
-            <a:pPr marL="285750" indent="-285750">
+            <a:pPr marL="342900" indent="-342900">
               <a:buFont typeface="Arial" panose="020B0604020202020204" pitchFamily="34" charset="0"/>
               <a:buChar char="•"/>
             </a:pPr>
@@ -4059,11 +4043,11 @@
                 <a:latin typeface="Source Sans Pro" panose="020B0503030403020204" pitchFamily="34" charset="0"/>
                 <a:ea typeface="Source Sans Pro" panose="020B0503030403020204" pitchFamily="34" charset="0"/>
               </a:rPr>
-              <a:t>Takes integer bpm as input</a:t>
-            </a:r>
-          </a:p>
-          <a:p>
-            <a:pPr marL="285750" indent="-285750">
+              <a:t>Motor</a:t>
+            </a:r>
+          </a:p>
+          <a:p>
+            <a:pPr marL="800100" lvl="1" indent="-342900">
               <a:buFont typeface="Arial" panose="020B0604020202020204" pitchFamily="34" charset="0"/>
               <a:buChar char="•"/>
             </a:pPr>
@@ -4072,11 +4056,11 @@
                 <a:latin typeface="Source Sans Pro" panose="020B0503030403020204" pitchFamily="34" charset="0"/>
                 <a:ea typeface="Source Sans Pro" panose="020B0503030403020204" pitchFamily="34" charset="0"/>
               </a:rPr>
-              <a:t>Activates individual LEDs consecutively to generate visual 4-beat measure</a:t>
-            </a:r>
-          </a:p>
-          <a:p>
-            <a:pPr marL="285750" indent="-285750">
+              <a:t>driveMeasure(), drive4(), setup</a:t>
+            </a:r>
+          </a:p>
+          <a:p>
+            <a:pPr marL="800100" lvl="1" indent="-342900">
               <a:buFont typeface="Arial" panose="020B0604020202020204" pitchFamily="34" charset="0"/>
               <a:buChar char="•"/>
             </a:pPr>
@@ -4086,23 +4070,7 @@
             </a:endParaRPr>
           </a:p>
           <a:p>
-            <a:r>
-              <a:rPr lang="en-US" sz="2000" dirty="0" err="1">
-                <a:latin typeface="Source Sans Pro" panose="020B0503030403020204" pitchFamily="34" charset="0"/>
-                <a:ea typeface="Source Sans Pro" panose="020B0503030403020204" pitchFamily="34" charset="0"/>
-              </a:rPr>
-              <a:t>driveMotor</a:t>
-            </a:r>
-            <a:r>
-              <a:rPr lang="en-US" sz="2000" dirty="0">
-                <a:latin typeface="Source Sans Pro" panose="020B0503030403020204" pitchFamily="34" charset="0"/>
-                <a:ea typeface="Source Sans Pro" panose="020B0503030403020204" pitchFamily="34" charset="0"/>
-              </a:rPr>
-              <a:t>(type, tempo)</a:t>
-            </a:r>
-          </a:p>
-          <a:p>
-            <a:pPr marL="285750" indent="-285750">
+            <a:pPr marL="342900" indent="-342900">
               <a:buFont typeface="Arial" panose="020B0604020202020204" pitchFamily="34" charset="0"/>
               <a:buChar char="•"/>
             </a:pPr>
@@ -4111,25 +4079,11 @@
                 <a:latin typeface="Source Sans Pro" panose="020B0503030403020204" pitchFamily="34" charset="0"/>
                 <a:ea typeface="Source Sans Pro" panose="020B0503030403020204" pitchFamily="34" charset="0"/>
               </a:rPr>
-              <a:t>Takes string drum type (</a:t>
-            </a:r>
-            <a:r>
-              <a:rPr lang="en-US" sz="2000" dirty="0" err="1">
-                <a:latin typeface="Source Sans Pro" panose="020B0503030403020204" pitchFamily="34" charset="0"/>
-                <a:ea typeface="Source Sans Pro" panose="020B0503030403020204" pitchFamily="34" charset="0"/>
-              </a:rPr>
-              <a:t>hh</a:t>
-            </a:r>
-            <a:r>
-              <a:rPr lang="en-US" sz="2000" dirty="0">
-                <a:latin typeface="Source Sans Pro" panose="020B0503030403020204" pitchFamily="34" charset="0"/>
-                <a:ea typeface="Source Sans Pro" panose="020B0503030403020204" pitchFamily="34" charset="0"/>
-              </a:rPr>
-              <a:t> = “High hat”, td = “Tom drum”) and integer bpm as input</a:t>
-            </a:r>
-          </a:p>
-          <a:p>
-            <a:pPr marL="285750" indent="-285750">
+              <a:t>LEDGroup</a:t>
+            </a:r>
+          </a:p>
+          <a:p>
+            <a:pPr marL="800100" lvl="1" indent="-342900">
               <a:buFont typeface="Arial" panose="020B0604020202020204" pitchFamily="34" charset="0"/>
               <a:buChar char="•"/>
             </a:pPr>
@@ -4138,34 +4092,120 @@
                 <a:latin typeface="Source Sans Pro" panose="020B0503030403020204" pitchFamily="34" charset="0"/>
                 <a:ea typeface="Source Sans Pro" panose="020B0503030403020204" pitchFamily="34" charset="0"/>
               </a:rPr>
-              <a:t>Drives motor through custom rhythm prescribed by drum type at input bpm</a:t>
-            </a:r>
-          </a:p>
-          <a:p>
+              <a:t>All_On, blink_simultaneously, blink_together, all_off</a:t>
+            </a:r>
+          </a:p>
+          <a:p>
+            <a:pPr lvl="1"/>
+            <a:endParaRPr lang="en-US" sz="2000" dirty="0">
+              <a:latin typeface="Source Sans Pro" panose="020B0503030403020204" pitchFamily="34" charset="0"/>
+              <a:ea typeface="Source Sans Pro" panose="020B0503030403020204" pitchFamily="34" charset="0"/>
+            </a:endParaRPr>
+          </a:p>
+          <a:p>
+            <a:pPr marL="342900" indent="-342900">
+              <a:buFont typeface="Arial" panose="020B0604020202020204" pitchFamily="34" charset="0"/>
+              <a:buChar char="•"/>
+            </a:pPr>
             <a:r>
               <a:rPr lang="en-US" sz="2000" dirty="0">
                 <a:latin typeface="Source Sans Pro" panose="020B0503030403020204" pitchFamily="34" charset="0"/>
                 <a:ea typeface="Source Sans Pro" panose="020B0503030403020204" pitchFamily="34" charset="0"/>
               </a:rPr>
-              <a:t>	</a:t>
-            </a:r>
-          </a:p>
-          <a:p>
+              <a:t>Button</a:t>
+            </a:r>
+          </a:p>
+          <a:p>
+            <a:pPr marL="800100" lvl="1" indent="-342900">
+              <a:buFont typeface="Arial" panose="020B0604020202020204" pitchFamily="34" charset="0"/>
+              <a:buChar char="•"/>
+            </a:pPr>
             <a:r>
               <a:rPr lang="en-US" sz="2000" dirty="0">
                 <a:latin typeface="Source Sans Pro" panose="020B0503030403020204" pitchFamily="34" charset="0"/>
                 <a:ea typeface="Source Sans Pro" panose="020B0503030403020204" pitchFamily="34" charset="0"/>
               </a:rPr>
-              <a:t>	</a:t>
-            </a:r>
-          </a:p>
-          <a:p>
+              <a:t>Is_On</a:t>
+            </a:r>
+          </a:p>
+          <a:p>
+            <a:pPr marL="800100" lvl="1" indent="-342900">
+              <a:buFont typeface="Arial" panose="020B0604020202020204" pitchFamily="34" charset="0"/>
+              <a:buChar char="•"/>
+            </a:pPr>
+            <a:endParaRPr lang="en-US" sz="2000" dirty="0">
+              <a:latin typeface="Source Sans Pro" panose="020B0503030403020204" pitchFamily="34" charset="0"/>
+              <a:ea typeface="Source Sans Pro" panose="020B0503030403020204" pitchFamily="34" charset="0"/>
+            </a:endParaRPr>
+          </a:p>
+          <a:p>
+            <a:pPr marL="342900" indent="-342900">
+              <a:buFont typeface="Arial" panose="020B0604020202020204" pitchFamily="34" charset="0"/>
+              <a:buChar char="•"/>
+            </a:pPr>
             <a:r>
               <a:rPr lang="en-US" sz="2000" dirty="0">
                 <a:latin typeface="Source Sans Pro" panose="020B0503030403020204" pitchFamily="34" charset="0"/>
                 <a:ea typeface="Source Sans Pro" panose="020B0503030403020204" pitchFamily="34" charset="0"/>
               </a:rPr>
-              <a:t> </a:t>
+              <a:t>Microphone</a:t>
+            </a:r>
+          </a:p>
+          <a:p>
+            <a:pPr marL="800100" lvl="1" indent="-342900">
+              <a:buFont typeface="Arial" panose="020B0604020202020204" pitchFamily="34" charset="0"/>
+              <a:buChar char="•"/>
+            </a:pPr>
+            <a:r>
+              <a:rPr lang="en-US" sz="2000" dirty="0" err="1">
+                <a:latin typeface="Source Sans Pro" panose="020B0503030403020204" pitchFamily="34" charset="0"/>
+                <a:ea typeface="Source Sans Pro" panose="020B0503030403020204" pitchFamily="34" charset="0"/>
+              </a:rPr>
+              <a:t>audioRead</a:t>
+            </a:r>
+            <a:r>
+              <a:rPr lang="en-US" sz="2000" dirty="0">
+                <a:latin typeface="Source Sans Pro" panose="020B0503030403020204" pitchFamily="34" charset="0"/>
+                <a:ea typeface="Source Sans Pro" panose="020B0503030403020204" pitchFamily="34" charset="0"/>
+              </a:rPr>
+              <a:t>()</a:t>
+            </a:r>
+          </a:p>
+          <a:p>
+            <a:pPr marL="800100" lvl="1" indent="-342900">
+              <a:buFont typeface="Arial" panose="020B0604020202020204" pitchFamily="34" charset="0"/>
+              <a:buChar char="•"/>
+            </a:pPr>
+            <a:r>
+              <a:rPr lang="en-US" sz="2000" dirty="0" err="1">
+                <a:latin typeface="Source Sans Pro" panose="020B0503030403020204" pitchFamily="34" charset="0"/>
+                <a:ea typeface="Source Sans Pro" panose="020B0503030403020204" pitchFamily="34" charset="0"/>
+              </a:rPr>
+              <a:t>extractTempo</a:t>
+            </a:r>
+            <a:r>
+              <a:rPr lang="en-US" sz="2000" dirty="0">
+                <a:latin typeface="Source Sans Pro" panose="020B0503030403020204" pitchFamily="34" charset="0"/>
+                <a:ea typeface="Source Sans Pro" panose="020B0503030403020204" pitchFamily="34" charset="0"/>
+              </a:rPr>
+              <a:t>()</a:t>
+            </a:r>
+          </a:p>
+          <a:p>
+            <a:pPr lvl="1"/>
+            <a:endParaRPr lang="en-US" sz="2000" dirty="0">
+              <a:latin typeface="Source Sans Pro" panose="020B0503030403020204" pitchFamily="34" charset="0"/>
+              <a:ea typeface="Source Sans Pro" panose="020B0503030403020204" pitchFamily="34" charset="0"/>
+            </a:endParaRPr>
+          </a:p>
+          <a:p>
+            <a:pPr lvl="1"/>
+            <a:r>
+              <a:rPr lang="en-US" sz="2000" dirty="0">
+                <a:latin typeface="Source Sans Pro" panose="020B0503030403020204" pitchFamily="34" charset="0"/>
+                <a:ea typeface="Source Sans Pro" panose="020B0503030403020204" pitchFamily="34" charset="0"/>
+              </a:rPr>
+              <a:t>Most of these classes are done or WIP, just need to test them with actual hardware!</a:t>
             </a:r>
           </a:p>
         </p:txBody>
@@ -4175,7 +4215,7 @@
           <p:cNvPr id="5" name="TextBox 4">
             <a:extLst>
               <a:ext uri="{FF2B5EF4-FFF2-40B4-BE49-F238E27FC236}">
-                <a16:creationId xmlns:a16="http://schemas.microsoft.com/office/drawing/2014/main" id="{44FAF6E4-B767-8593-6332-FF9C079B6DB4}"/>
+                <a16:creationId xmlns:a16="http://schemas.microsoft.com/office/drawing/2014/main" id="{5AEC4822-49C5-6ED0-F40E-C91F8B388DE1}"/>
               </a:ext>
             </a:extLst>
           </p:cNvPr>
@@ -4184,7 +4224,7 @@
         </p:nvSpPr>
         <p:spPr>
           <a:xfrm>
-            <a:off x="495300" y="419100"/>
+            <a:off x="304800" y="419100"/>
             <a:ext cx="8382000" cy="553998"/>
           </a:xfrm>
           <a:prstGeom prst="rect">
@@ -4203,7 +4243,7 @@
                 <a:latin typeface="Source Sans Pro" panose="020B0503030403020204" pitchFamily="34" charset="0"/>
                 <a:ea typeface="Source Sans Pro" panose="020B0503030403020204" pitchFamily="34" charset="0"/>
               </a:rPr>
-              <a:t>SPECIFIC FUNCTIONS</a:t>
+              <a:t>CLASSES</a:t>
             </a:r>
           </a:p>
         </p:txBody>
@@ -4211,7 +4251,7 @@
     </p:spTree>
     <p:extLst>
       <p:ext uri="{BB962C8B-B14F-4D97-AF65-F5344CB8AC3E}">
-        <p14:creationId xmlns:p14="http://schemas.microsoft.com/office/powerpoint/2010/main" val="1137734041"/>
+        <p14:creationId xmlns:p14="http://schemas.microsoft.com/office/powerpoint/2010/main" val="618293113"/>
       </p:ext>
     </p:extLst>
   </p:cSld>

--- a/project-01/docs/Cooney_Project_01_Software_Diagrams.pptx
+++ b/project-01/docs/Cooney_Project_01_Software_Diagrams.pptx
@@ -9,7 +9,7 @@
     <p:sldId id="257" r:id="rId3"/>
     <p:sldId id="262" r:id="rId4"/>
     <p:sldId id="258" r:id="rId5"/>
-    <p:sldId id="264" r:id="rId6"/>
+    <p:sldId id="259" r:id="rId6"/>
     <p:sldId id="260" r:id="rId7"/>
     <p:sldId id="261" r:id="rId8"/>
   </p:sldIdLst>
@@ -265,7 +265,7 @@
           <a:p>
             <a:fld id="{6F9CC634-B9D1-8E43-9326-87ACE5943230}" type="datetimeFigureOut">
               <a:rPr lang="en-US" smtClean="0"/>
-              <a:t>3/6/23</a:t>
+              <a:t>3/4/23</a:t>
             </a:fld>
             <a:endParaRPr lang="en-US"/>
           </a:p>
@@ -463,7 +463,7 @@
           <a:p>
             <a:fld id="{6F9CC634-B9D1-8E43-9326-87ACE5943230}" type="datetimeFigureOut">
               <a:rPr lang="en-US" smtClean="0"/>
-              <a:t>3/6/23</a:t>
+              <a:t>3/4/23</a:t>
             </a:fld>
             <a:endParaRPr lang="en-US"/>
           </a:p>
@@ -671,7 +671,7 @@
           <a:p>
             <a:fld id="{6F9CC634-B9D1-8E43-9326-87ACE5943230}" type="datetimeFigureOut">
               <a:rPr lang="en-US" smtClean="0"/>
-              <a:t>3/6/23</a:t>
+              <a:t>3/4/23</a:t>
             </a:fld>
             <a:endParaRPr lang="en-US"/>
           </a:p>
@@ -869,7 +869,7 @@
           <a:p>
             <a:fld id="{6F9CC634-B9D1-8E43-9326-87ACE5943230}" type="datetimeFigureOut">
               <a:rPr lang="en-US" smtClean="0"/>
-              <a:t>3/6/23</a:t>
+              <a:t>3/4/23</a:t>
             </a:fld>
             <a:endParaRPr lang="en-US"/>
           </a:p>
@@ -1144,7 +1144,7 @@
           <a:p>
             <a:fld id="{6F9CC634-B9D1-8E43-9326-87ACE5943230}" type="datetimeFigureOut">
               <a:rPr lang="en-US" smtClean="0"/>
-              <a:t>3/6/23</a:t>
+              <a:t>3/4/23</a:t>
             </a:fld>
             <a:endParaRPr lang="en-US"/>
           </a:p>
@@ -1409,7 +1409,7 @@
           <a:p>
             <a:fld id="{6F9CC634-B9D1-8E43-9326-87ACE5943230}" type="datetimeFigureOut">
               <a:rPr lang="en-US" smtClean="0"/>
-              <a:t>3/6/23</a:t>
+              <a:t>3/4/23</a:t>
             </a:fld>
             <a:endParaRPr lang="en-US"/>
           </a:p>
@@ -1821,7 +1821,7 @@
           <a:p>
             <a:fld id="{6F9CC634-B9D1-8E43-9326-87ACE5943230}" type="datetimeFigureOut">
               <a:rPr lang="en-US" smtClean="0"/>
-              <a:t>3/6/23</a:t>
+              <a:t>3/4/23</a:t>
             </a:fld>
             <a:endParaRPr lang="en-US"/>
           </a:p>
@@ -1962,7 +1962,7 @@
           <a:p>
             <a:fld id="{6F9CC634-B9D1-8E43-9326-87ACE5943230}" type="datetimeFigureOut">
               <a:rPr lang="en-US" smtClean="0"/>
-              <a:t>3/6/23</a:t>
+              <a:t>3/4/23</a:t>
             </a:fld>
             <a:endParaRPr lang="en-US"/>
           </a:p>
@@ -2075,7 +2075,7 @@
           <a:p>
             <a:fld id="{6F9CC634-B9D1-8E43-9326-87ACE5943230}" type="datetimeFigureOut">
               <a:rPr lang="en-US" smtClean="0"/>
-              <a:t>3/6/23</a:t>
+              <a:t>3/4/23</a:t>
             </a:fld>
             <a:endParaRPr lang="en-US"/>
           </a:p>
@@ -2386,7 +2386,7 @@
           <a:p>
             <a:fld id="{6F9CC634-B9D1-8E43-9326-87ACE5943230}" type="datetimeFigureOut">
               <a:rPr lang="en-US" smtClean="0"/>
-              <a:t>3/6/23</a:t>
+              <a:t>3/4/23</a:t>
             </a:fld>
             <a:endParaRPr lang="en-US"/>
           </a:p>
@@ -2674,7 +2674,7 @@
           <a:p>
             <a:fld id="{6F9CC634-B9D1-8E43-9326-87ACE5943230}" type="datetimeFigureOut">
               <a:rPr lang="en-US" smtClean="0"/>
-              <a:t>3/6/23</a:t>
+              <a:t>3/4/23</a:t>
             </a:fld>
             <a:endParaRPr lang="en-US"/>
           </a:p>
@@ -2915,7 +2915,7 @@
           <a:p>
             <a:fld id="{6F9CC634-B9D1-8E43-9326-87ACE5943230}" type="datetimeFigureOut">
               <a:rPr lang="en-US" smtClean="0"/>
-              <a:t>3/6/23</a:t>
+              <a:t>3/4/23</a:t>
             </a:fld>
             <a:endParaRPr lang="en-US"/>
           </a:p>
@@ -4011,7 +4011,7 @@
           <p:cNvPr id="4" name="TextBox 3">
             <a:extLst>
               <a:ext uri="{FF2B5EF4-FFF2-40B4-BE49-F238E27FC236}">
-                <a16:creationId xmlns:a16="http://schemas.microsoft.com/office/drawing/2014/main" id="{3101E37C-D4B0-B640-23D0-EF90BDFCCFE2}"/>
+                <a16:creationId xmlns:a16="http://schemas.microsoft.com/office/drawing/2014/main" id="{CA272C79-6916-8C2B-CA7B-F1B0C6A0FFA9}"/>
               </a:ext>
             </a:extLst>
           </p:cNvPr>
@@ -4020,8 +4020,8 @@
         </p:nvSpPr>
         <p:spPr>
           <a:xfrm>
-            <a:off x="495300" y="1079848"/>
-            <a:ext cx="11696700" cy="4401205"/>
+            <a:off x="990600" y="1219200"/>
+            <a:ext cx="11696700" cy="3170099"/>
           </a:xfrm>
           <a:prstGeom prst="rect">
             <a:avLst/>
@@ -4034,7 +4034,23 @@
           </a:bodyPr>
           <a:lstStyle/>
           <a:p>
-            <a:pPr marL="342900" indent="-342900">
+            <a:r>
+              <a:rPr lang="en-US" sz="2000" dirty="0" err="1">
+                <a:latin typeface="Source Sans Pro" panose="020B0503030403020204" pitchFamily="34" charset="0"/>
+                <a:ea typeface="Source Sans Pro" panose="020B0503030403020204" pitchFamily="34" charset="0"/>
+              </a:rPr>
+              <a:t>ledBlink</a:t>
+            </a:r>
+            <a:r>
+              <a:rPr lang="en-US" sz="2000" dirty="0">
+                <a:latin typeface="Source Sans Pro" panose="020B0503030403020204" pitchFamily="34" charset="0"/>
+                <a:ea typeface="Source Sans Pro" panose="020B0503030403020204" pitchFamily="34" charset="0"/>
+              </a:rPr>
+              <a:t>(tempo)</a:t>
+            </a:r>
+          </a:p>
+          <a:p>
+            <a:pPr marL="285750" indent="-285750">
               <a:buFont typeface="Arial" panose="020B0604020202020204" pitchFamily="34" charset="0"/>
               <a:buChar char="•"/>
             </a:pPr>
@@ -4043,11 +4059,11 @@
                 <a:latin typeface="Source Sans Pro" panose="020B0503030403020204" pitchFamily="34" charset="0"/>
                 <a:ea typeface="Source Sans Pro" panose="020B0503030403020204" pitchFamily="34" charset="0"/>
               </a:rPr>
-              <a:t>Motor</a:t>
-            </a:r>
-          </a:p>
-          <a:p>
-            <a:pPr marL="800100" lvl="1" indent="-342900">
+              <a:t>Takes integer bpm as input</a:t>
+            </a:r>
+          </a:p>
+          <a:p>
+            <a:pPr marL="285750" indent="-285750">
               <a:buFont typeface="Arial" panose="020B0604020202020204" pitchFamily="34" charset="0"/>
               <a:buChar char="•"/>
             </a:pPr>
@@ -4056,11 +4072,11 @@
                 <a:latin typeface="Source Sans Pro" panose="020B0503030403020204" pitchFamily="34" charset="0"/>
                 <a:ea typeface="Source Sans Pro" panose="020B0503030403020204" pitchFamily="34" charset="0"/>
               </a:rPr>
-              <a:t>driveMeasure(), drive4(), setup</a:t>
-            </a:r>
-          </a:p>
-          <a:p>
-            <a:pPr marL="800100" lvl="1" indent="-342900">
+              <a:t>Activates individual LEDs consecutively to generate visual 4-beat measure</a:t>
+            </a:r>
+          </a:p>
+          <a:p>
+            <a:pPr marL="285750" indent="-285750">
               <a:buFont typeface="Arial" panose="020B0604020202020204" pitchFamily="34" charset="0"/>
               <a:buChar char="•"/>
             </a:pPr>
@@ -4070,7 +4086,23 @@
             </a:endParaRPr>
           </a:p>
           <a:p>
-            <a:pPr marL="342900" indent="-342900">
+            <a:r>
+              <a:rPr lang="en-US" sz="2000" dirty="0" err="1">
+                <a:latin typeface="Source Sans Pro" panose="020B0503030403020204" pitchFamily="34" charset="0"/>
+                <a:ea typeface="Source Sans Pro" panose="020B0503030403020204" pitchFamily="34" charset="0"/>
+              </a:rPr>
+              <a:t>driveMotor</a:t>
+            </a:r>
+            <a:r>
+              <a:rPr lang="en-US" sz="2000" dirty="0">
+                <a:latin typeface="Source Sans Pro" panose="020B0503030403020204" pitchFamily="34" charset="0"/>
+                <a:ea typeface="Source Sans Pro" panose="020B0503030403020204" pitchFamily="34" charset="0"/>
+              </a:rPr>
+              <a:t>(type, tempo)</a:t>
+            </a:r>
+          </a:p>
+          <a:p>
+            <a:pPr marL="285750" indent="-285750">
               <a:buFont typeface="Arial" panose="020B0604020202020204" pitchFamily="34" charset="0"/>
               <a:buChar char="•"/>
             </a:pPr>
@@ -4079,11 +4111,25 @@
                 <a:latin typeface="Source Sans Pro" panose="020B0503030403020204" pitchFamily="34" charset="0"/>
                 <a:ea typeface="Source Sans Pro" panose="020B0503030403020204" pitchFamily="34" charset="0"/>
               </a:rPr>
-              <a:t>LEDGroup</a:t>
-            </a:r>
-          </a:p>
-          <a:p>
-            <a:pPr marL="800100" lvl="1" indent="-342900">
+              <a:t>Takes string drum type (</a:t>
+            </a:r>
+            <a:r>
+              <a:rPr lang="en-US" sz="2000" dirty="0" err="1">
+                <a:latin typeface="Source Sans Pro" panose="020B0503030403020204" pitchFamily="34" charset="0"/>
+                <a:ea typeface="Source Sans Pro" panose="020B0503030403020204" pitchFamily="34" charset="0"/>
+              </a:rPr>
+              <a:t>hh</a:t>
+            </a:r>
+            <a:r>
+              <a:rPr lang="en-US" sz="2000" dirty="0">
+                <a:latin typeface="Source Sans Pro" panose="020B0503030403020204" pitchFamily="34" charset="0"/>
+                <a:ea typeface="Source Sans Pro" panose="020B0503030403020204" pitchFamily="34" charset="0"/>
+              </a:rPr>
+              <a:t> = “High hat”, td = “Tom drum”) and integer bpm as input</a:t>
+            </a:r>
+          </a:p>
+          <a:p>
+            <a:pPr marL="285750" indent="-285750">
               <a:buFont typeface="Arial" panose="020B0604020202020204" pitchFamily="34" charset="0"/>
               <a:buChar char="•"/>
             </a:pPr>
@@ -4092,120 +4138,34 @@
                 <a:latin typeface="Source Sans Pro" panose="020B0503030403020204" pitchFamily="34" charset="0"/>
                 <a:ea typeface="Source Sans Pro" panose="020B0503030403020204" pitchFamily="34" charset="0"/>
               </a:rPr>
-              <a:t>All_On, blink_simultaneously, blink_together, all_off</a:t>
-            </a:r>
-          </a:p>
-          <a:p>
-            <a:pPr lvl="1"/>
-            <a:endParaRPr lang="en-US" sz="2000" dirty="0">
-              <a:latin typeface="Source Sans Pro" panose="020B0503030403020204" pitchFamily="34" charset="0"/>
-              <a:ea typeface="Source Sans Pro" panose="020B0503030403020204" pitchFamily="34" charset="0"/>
-            </a:endParaRPr>
-          </a:p>
-          <a:p>
-            <a:pPr marL="342900" indent="-342900">
-              <a:buFont typeface="Arial" panose="020B0604020202020204" pitchFamily="34" charset="0"/>
-              <a:buChar char="•"/>
-            </a:pPr>
+              <a:t>Drives motor through custom rhythm prescribed by drum type at input bpm</a:t>
+            </a:r>
+          </a:p>
+          <a:p>
             <a:r>
               <a:rPr lang="en-US" sz="2000" dirty="0">
                 <a:latin typeface="Source Sans Pro" panose="020B0503030403020204" pitchFamily="34" charset="0"/>
                 <a:ea typeface="Source Sans Pro" panose="020B0503030403020204" pitchFamily="34" charset="0"/>
               </a:rPr>
-              <a:t>Button</a:t>
-            </a:r>
-          </a:p>
-          <a:p>
-            <a:pPr marL="800100" lvl="1" indent="-342900">
-              <a:buFont typeface="Arial" panose="020B0604020202020204" pitchFamily="34" charset="0"/>
-              <a:buChar char="•"/>
-            </a:pPr>
+              <a:t>	</a:t>
+            </a:r>
+          </a:p>
+          <a:p>
             <a:r>
               <a:rPr lang="en-US" sz="2000" dirty="0">
                 <a:latin typeface="Source Sans Pro" panose="020B0503030403020204" pitchFamily="34" charset="0"/>
                 <a:ea typeface="Source Sans Pro" panose="020B0503030403020204" pitchFamily="34" charset="0"/>
               </a:rPr>
-              <a:t>Is_On</a:t>
-            </a:r>
-          </a:p>
-          <a:p>
-            <a:pPr marL="800100" lvl="1" indent="-342900">
-              <a:buFont typeface="Arial" panose="020B0604020202020204" pitchFamily="34" charset="0"/>
-              <a:buChar char="•"/>
-            </a:pPr>
-            <a:endParaRPr lang="en-US" sz="2000" dirty="0">
-              <a:latin typeface="Source Sans Pro" panose="020B0503030403020204" pitchFamily="34" charset="0"/>
-              <a:ea typeface="Source Sans Pro" panose="020B0503030403020204" pitchFamily="34" charset="0"/>
-            </a:endParaRPr>
-          </a:p>
-          <a:p>
-            <a:pPr marL="342900" indent="-342900">
-              <a:buFont typeface="Arial" panose="020B0604020202020204" pitchFamily="34" charset="0"/>
-              <a:buChar char="•"/>
-            </a:pPr>
+              <a:t>	</a:t>
+            </a:r>
+          </a:p>
+          <a:p>
             <a:r>
               <a:rPr lang="en-US" sz="2000" dirty="0">
                 <a:latin typeface="Source Sans Pro" panose="020B0503030403020204" pitchFamily="34" charset="0"/>
                 <a:ea typeface="Source Sans Pro" panose="020B0503030403020204" pitchFamily="34" charset="0"/>
               </a:rPr>
-              <a:t>Microphone</a:t>
-            </a:r>
-          </a:p>
-          <a:p>
-            <a:pPr marL="800100" lvl="1" indent="-342900">
-              <a:buFont typeface="Arial" panose="020B0604020202020204" pitchFamily="34" charset="0"/>
-              <a:buChar char="•"/>
-            </a:pPr>
-            <a:r>
-              <a:rPr lang="en-US" sz="2000" dirty="0" err="1">
-                <a:latin typeface="Source Sans Pro" panose="020B0503030403020204" pitchFamily="34" charset="0"/>
-                <a:ea typeface="Source Sans Pro" panose="020B0503030403020204" pitchFamily="34" charset="0"/>
-              </a:rPr>
-              <a:t>audioRead</a:t>
-            </a:r>
-            <a:r>
-              <a:rPr lang="en-US" sz="2000" dirty="0">
-                <a:latin typeface="Source Sans Pro" panose="020B0503030403020204" pitchFamily="34" charset="0"/>
-                <a:ea typeface="Source Sans Pro" panose="020B0503030403020204" pitchFamily="34" charset="0"/>
-              </a:rPr>
-              <a:t>()</a:t>
-            </a:r>
-          </a:p>
-          <a:p>
-            <a:pPr marL="800100" lvl="1" indent="-342900">
-              <a:buFont typeface="Arial" panose="020B0604020202020204" pitchFamily="34" charset="0"/>
-              <a:buChar char="•"/>
-            </a:pPr>
-            <a:r>
-              <a:rPr lang="en-US" sz="2000" dirty="0" err="1">
-                <a:latin typeface="Source Sans Pro" panose="020B0503030403020204" pitchFamily="34" charset="0"/>
-                <a:ea typeface="Source Sans Pro" panose="020B0503030403020204" pitchFamily="34" charset="0"/>
-              </a:rPr>
-              <a:t>extractTempo</a:t>
-            </a:r>
-            <a:r>
-              <a:rPr lang="en-US" sz="2000" dirty="0">
-                <a:latin typeface="Source Sans Pro" panose="020B0503030403020204" pitchFamily="34" charset="0"/>
-                <a:ea typeface="Source Sans Pro" panose="020B0503030403020204" pitchFamily="34" charset="0"/>
-              </a:rPr>
-              <a:t>()</a:t>
-            </a:r>
-          </a:p>
-          <a:p>
-            <a:pPr lvl="1"/>
-            <a:endParaRPr lang="en-US" sz="2000" dirty="0">
-              <a:latin typeface="Source Sans Pro" panose="020B0503030403020204" pitchFamily="34" charset="0"/>
-              <a:ea typeface="Source Sans Pro" panose="020B0503030403020204" pitchFamily="34" charset="0"/>
-            </a:endParaRPr>
-          </a:p>
-          <a:p>
-            <a:pPr lvl="1"/>
-            <a:r>
-              <a:rPr lang="en-US" sz="2000" dirty="0">
-                <a:latin typeface="Source Sans Pro" panose="020B0503030403020204" pitchFamily="34" charset="0"/>
-                <a:ea typeface="Source Sans Pro" panose="020B0503030403020204" pitchFamily="34" charset="0"/>
-              </a:rPr>
-              <a:t>Most of these classes are done or WIP, just need to test them with actual hardware!</a:t>
+              <a:t> </a:t>
             </a:r>
           </a:p>
         </p:txBody>
@@ -4215,7 +4175,7 @@
           <p:cNvPr id="5" name="TextBox 4">
             <a:extLst>
               <a:ext uri="{FF2B5EF4-FFF2-40B4-BE49-F238E27FC236}">
-                <a16:creationId xmlns:a16="http://schemas.microsoft.com/office/drawing/2014/main" id="{5AEC4822-49C5-6ED0-F40E-C91F8B388DE1}"/>
+                <a16:creationId xmlns:a16="http://schemas.microsoft.com/office/drawing/2014/main" id="{44FAF6E4-B767-8593-6332-FF9C079B6DB4}"/>
               </a:ext>
             </a:extLst>
           </p:cNvPr>
@@ -4224,7 +4184,7 @@
         </p:nvSpPr>
         <p:spPr>
           <a:xfrm>
-            <a:off x="304800" y="419100"/>
+            <a:off x="495300" y="419100"/>
             <a:ext cx="8382000" cy="553998"/>
           </a:xfrm>
           <a:prstGeom prst="rect">
@@ -4243,7 +4203,7 @@
                 <a:latin typeface="Source Sans Pro" panose="020B0503030403020204" pitchFamily="34" charset="0"/>
                 <a:ea typeface="Source Sans Pro" panose="020B0503030403020204" pitchFamily="34" charset="0"/>
               </a:rPr>
-              <a:t>CLASSES</a:t>
+              <a:t>SPECIFIC FUNCTIONS</a:t>
             </a:r>
           </a:p>
         </p:txBody>
@@ -4251,7 +4211,7 @@
     </p:spTree>
     <p:extLst>
       <p:ext uri="{BB962C8B-B14F-4D97-AF65-F5344CB8AC3E}">
-        <p14:creationId xmlns:p14="http://schemas.microsoft.com/office/powerpoint/2010/main" val="618293113"/>
+        <p14:creationId xmlns:p14="http://schemas.microsoft.com/office/powerpoint/2010/main" val="1137734041"/>
       </p:ext>
     </p:extLst>
   </p:cSld>
